--- a/Elixir - Day 3.pptx
+++ b/Elixir - Day 3.pptx
@@ -5,16 +5,25 @@
     <p:sldMasterId id="2147483648" r:id="rId5"/>
   </p:sldMasterIdLst>
   <p:notesMasterIdLst>
-    <p:notesMasterId r:id="rId13"/>
+    <p:notesMasterId r:id="rId22"/>
   </p:notesMasterIdLst>
   <p:sldIdLst>
     <p:sldId id="276" r:id="rId6"/>
     <p:sldId id="323" r:id="rId7"/>
     <p:sldId id="333" r:id="rId8"/>
     <p:sldId id="334" r:id="rId9"/>
-    <p:sldId id="332" r:id="rId10"/>
-    <p:sldId id="287" r:id="rId11"/>
-    <p:sldId id="299" r:id="rId12"/>
+    <p:sldId id="335" r:id="rId10"/>
+    <p:sldId id="336" r:id="rId11"/>
+    <p:sldId id="337" r:id="rId12"/>
+    <p:sldId id="338" r:id="rId13"/>
+    <p:sldId id="332" r:id="rId14"/>
+    <p:sldId id="339" r:id="rId15"/>
+    <p:sldId id="340" r:id="rId16"/>
+    <p:sldId id="341" r:id="rId17"/>
+    <p:sldId id="343" r:id="rId18"/>
+    <p:sldId id="342" r:id="rId19"/>
+    <p:sldId id="287" r:id="rId20"/>
+    <p:sldId id="299" r:id="rId21"/>
   </p:sldIdLst>
   <p:sldSz cx="12192000" cy="6858000"/>
   <p:notesSz cx="6858000" cy="9144000"/>
@@ -335,14 +344,6 @@
 </p:presentation>
 </file>
 
-<file path=ppt/revisionInfo.xml><?xml version="1.0" encoding="utf-8"?>
-<p1510:revInfo xmlns:a="http://schemas.openxmlformats.org/drawingml/2006/main" xmlns:r="http://schemas.openxmlformats.org/officeDocument/2006/relationships" xmlns:p1510="http://schemas.microsoft.com/office/powerpoint/2015/10/main">
-  <p1510:revLst>
-    <p1510:client id="{5207A6C9-36E0-425A-A909-04D489ECDE01}" v="6" dt="2022-02-16T15:28:12.741"/>
-  </p1510:revLst>
-</p1510:revInfo>
-</file>
-
 <file path=ppt/notesMasters/notesMaster1.xml><?xml version="1.0" encoding="utf-8"?>
 <p:notesMaster xmlns:a="http://schemas.openxmlformats.org/drawingml/2006/main" xmlns:r="http://schemas.openxmlformats.org/officeDocument/2006/relationships" xmlns:p="http://schemas.openxmlformats.org/presentationml/2006/main">
   <p:cSld>
@@ -556,6 +557,90 @@
     <p:extLst>
       <p:ext uri="{BB962C8B-B14F-4D97-AF65-F5344CB8AC3E}">
         <p14:creationId xmlns:p14="http://schemas.microsoft.com/office/powerpoint/2010/main" val="4170462858"/>
+      </p:ext>
+    </p:extLst>
+  </p:cSld>
+  <p:clrMapOvr>
+    <a:masterClrMapping/>
+  </p:clrMapOvr>
+</p:notes>
+</file>
+
+<file path=ppt/notesSlides/notesSlide2.xml><?xml version="1.0" encoding="utf-8"?>
+<p:notes xmlns:a="http://schemas.openxmlformats.org/drawingml/2006/main" xmlns:r="http://schemas.openxmlformats.org/officeDocument/2006/relationships" xmlns:p="http://schemas.openxmlformats.org/presentationml/2006/main">
+  <p:cSld>
+    <p:spTree>
+      <p:nvGrpSpPr>
+        <p:cNvPr id="1" name="">
+          <a:extLst>
+            <a:ext uri="{FF2B5EF4-FFF2-40B4-BE49-F238E27FC236}">
+              <a16:creationId xmlns:a16="http://schemas.microsoft.com/office/drawing/2014/main" id="{EFF99E87-4A16-5D51-ADD9-DEA33E9B7668}"/>
+            </a:ext>
+          </a:extLst>
+        </p:cNvPr>
+        <p:cNvGrpSpPr/>
+        <p:nvPr/>
+      </p:nvGrpSpPr>
+      <p:grpSpPr>
+        <a:xfrm>
+          <a:off x="0" y="0"/>
+          <a:ext cx="0" cy="0"/>
+          <a:chOff x="0" y="0"/>
+          <a:chExt cx="0" cy="0"/>
+        </a:xfrm>
+      </p:grpSpPr>
+      <p:sp>
+        <p:nvSpPr>
+          <p:cNvPr id="2" name="Slide Image Placeholder 1">
+            <a:extLst>
+              <a:ext uri="{FF2B5EF4-FFF2-40B4-BE49-F238E27FC236}">
+                <a16:creationId xmlns:a16="http://schemas.microsoft.com/office/drawing/2014/main" id="{E3204331-0C03-F74A-EDBD-B9F688BC33D9}"/>
+              </a:ext>
+            </a:extLst>
+          </p:cNvPr>
+          <p:cNvSpPr>
+            <a:spLocks noGrp="1" noRot="1" noChangeAspect="1"/>
+          </p:cNvSpPr>
+          <p:nvPr>
+            <p:ph type="sldImg"/>
+          </p:nvPr>
+        </p:nvSpPr>
+        <p:spPr>
+          <a:xfrm>
+            <a:off x="381000" y="685800"/>
+            <a:ext cx="6096000" cy="3429000"/>
+          </a:xfrm>
+        </p:spPr>
+      </p:sp>
+      <p:sp>
+        <p:nvSpPr>
+          <p:cNvPr id="3" name="Notes Placeholder 2">
+            <a:extLst>
+              <a:ext uri="{FF2B5EF4-FFF2-40B4-BE49-F238E27FC236}">
+                <a16:creationId xmlns:a16="http://schemas.microsoft.com/office/drawing/2014/main" id="{4E0DAAC1-AAA0-20C5-1FA6-7CE0CF9E5FCA}"/>
+              </a:ext>
+            </a:extLst>
+          </p:cNvPr>
+          <p:cNvSpPr>
+            <a:spLocks noGrp="1"/>
+          </p:cNvSpPr>
+          <p:nvPr>
+            <p:ph type="body" idx="1"/>
+          </p:nvPr>
+        </p:nvSpPr>
+        <p:spPr/>
+        <p:txBody>
+          <a:bodyPr/>
+          <a:lstStyle/>
+          <a:p>
+            <a:endParaRPr lang="en-US" dirty="0"/>
+          </a:p>
+        </p:txBody>
+      </p:sp>
+    </p:spTree>
+    <p:extLst>
+      <p:ext uri="{BB962C8B-B14F-4D97-AF65-F5344CB8AC3E}">
+        <p14:creationId xmlns:p14="http://schemas.microsoft.com/office/powerpoint/2010/main" val="3072426786"/>
       </p:ext>
     </p:extLst>
   </p:cSld>
@@ -3194,6 +3279,1698 @@
 </p:sld>
 </file>
 
+<file path=ppt/slides/slide10.xml><?xml version="1.0" encoding="utf-8"?>
+<p:sld xmlns:a="http://schemas.openxmlformats.org/drawingml/2006/main" xmlns:r="http://schemas.openxmlformats.org/officeDocument/2006/relationships" xmlns:p="http://schemas.openxmlformats.org/presentationml/2006/main">
+  <p:cSld>
+    <p:spTree>
+      <p:nvGrpSpPr>
+        <p:cNvPr id="1" name=""/>
+        <p:cNvGrpSpPr/>
+        <p:nvPr/>
+      </p:nvGrpSpPr>
+      <p:grpSpPr>
+        <a:xfrm>
+          <a:off x="0" y="0"/>
+          <a:ext cx="0" cy="0"/>
+          <a:chOff x="0" y="0"/>
+          <a:chExt cx="0" cy="0"/>
+        </a:xfrm>
+      </p:grpSpPr>
+      <p:sp>
+        <p:nvSpPr>
+          <p:cNvPr id="4" name="Title 3">
+            <a:extLst>
+              <a:ext uri="{FF2B5EF4-FFF2-40B4-BE49-F238E27FC236}">
+                <a16:creationId xmlns:a16="http://schemas.microsoft.com/office/drawing/2014/main" id="{99939344-6101-DB74-ACE7-6B18C4FE6420}"/>
+              </a:ext>
+            </a:extLst>
+          </p:cNvPr>
+          <p:cNvSpPr>
+            <a:spLocks noGrp="1"/>
+          </p:cNvSpPr>
+          <p:nvPr>
+            <p:ph type="title"/>
+          </p:nvPr>
+        </p:nvSpPr>
+        <p:spPr/>
+        <p:txBody>
+          <a:bodyPr/>
+          <a:lstStyle/>
+          <a:p>
+            <a:r>
+              <a:rPr lang="en-US" dirty="0"/>
+              <a:t>Phoenix </a:t>
+            </a:r>
+            <a:r>
+              <a:rPr lang="en-US" dirty="0" err="1"/>
+              <a:t>LiveView</a:t>
+            </a:r>
+            <a:endParaRPr lang="bg-BG" dirty="0"/>
+          </a:p>
+        </p:txBody>
+      </p:sp>
+      <p:sp>
+        <p:nvSpPr>
+          <p:cNvPr id="5" name="Text Placeholder 4">
+            <a:extLst>
+              <a:ext uri="{FF2B5EF4-FFF2-40B4-BE49-F238E27FC236}">
+                <a16:creationId xmlns:a16="http://schemas.microsoft.com/office/drawing/2014/main" id="{66528816-01F6-9C92-A5FA-46A142C32F9B}"/>
+              </a:ext>
+            </a:extLst>
+          </p:cNvPr>
+          <p:cNvSpPr>
+            <a:spLocks noGrp="1"/>
+          </p:cNvSpPr>
+          <p:nvPr>
+            <p:ph type="body" idx="1"/>
+          </p:nvPr>
+        </p:nvSpPr>
+        <p:spPr/>
+        <p:txBody>
+          <a:bodyPr/>
+          <a:lstStyle/>
+          <a:p>
+            <a:r>
+              <a:rPr lang="en-US" dirty="0"/>
+              <a:t>Used for developing responsive and real-time web applications</a:t>
+            </a:r>
+          </a:p>
+          <a:p>
+            <a:endParaRPr lang="en-US" dirty="0"/>
+          </a:p>
+          <a:p>
+            <a:r>
+              <a:rPr lang="en-US" dirty="0"/>
+              <a:t>SPA-like behavior with server-rendered HTML</a:t>
+            </a:r>
+          </a:p>
+          <a:p>
+            <a:endParaRPr lang="en-US" dirty="0"/>
+          </a:p>
+          <a:p>
+            <a:r>
+              <a:rPr lang="en-US" dirty="0"/>
+              <a:t>Implement complex logic and user interactions without JS</a:t>
+            </a:r>
+          </a:p>
+          <a:p>
+            <a:endParaRPr lang="en-US" dirty="0"/>
+          </a:p>
+          <a:p>
+            <a:r>
+              <a:rPr lang="en-US" dirty="0"/>
+              <a:t>Support for hybrid apps with </a:t>
+            </a:r>
+            <a:r>
+              <a:rPr lang="en-US" dirty="0" err="1"/>
+              <a:t>LiveView</a:t>
+            </a:r>
+            <a:r>
+              <a:rPr lang="en-US" dirty="0"/>
+              <a:t> Native</a:t>
+            </a:r>
+            <a:endParaRPr lang="bg-BG" dirty="0"/>
+          </a:p>
+        </p:txBody>
+      </p:sp>
+    </p:spTree>
+    <p:extLst>
+      <p:ext uri="{BB962C8B-B14F-4D97-AF65-F5344CB8AC3E}">
+        <p14:creationId xmlns:p14="http://schemas.microsoft.com/office/powerpoint/2010/main" val="1876260040"/>
+      </p:ext>
+    </p:extLst>
+  </p:cSld>
+  <p:clrMapOvr>
+    <a:masterClrMapping/>
+  </p:clrMapOvr>
+  <p:transition spd="med"/>
+</p:sld>
+</file>
+
+<file path=ppt/slides/slide11.xml><?xml version="1.0" encoding="utf-8"?>
+<p:sld xmlns:a="http://schemas.openxmlformats.org/drawingml/2006/main" xmlns:r="http://schemas.openxmlformats.org/officeDocument/2006/relationships" xmlns:p="http://schemas.openxmlformats.org/presentationml/2006/main">
+  <p:cSld>
+    <p:spTree>
+      <p:nvGrpSpPr>
+        <p:cNvPr id="1" name="">
+          <a:extLst>
+            <a:ext uri="{FF2B5EF4-FFF2-40B4-BE49-F238E27FC236}">
+              <a16:creationId xmlns:a16="http://schemas.microsoft.com/office/drawing/2014/main" id="{A6FEE131-85B5-3BC7-8580-B855C08C5A0B}"/>
+            </a:ext>
+          </a:extLst>
+        </p:cNvPr>
+        <p:cNvGrpSpPr/>
+        <p:nvPr/>
+      </p:nvGrpSpPr>
+      <p:grpSpPr>
+        <a:xfrm>
+          <a:off x="0" y="0"/>
+          <a:ext cx="0" cy="0"/>
+          <a:chOff x="0" y="0"/>
+          <a:chExt cx="0" cy="0"/>
+        </a:xfrm>
+      </p:grpSpPr>
+      <p:sp>
+        <p:nvSpPr>
+          <p:cNvPr id="4" name="Title 3">
+            <a:extLst>
+              <a:ext uri="{FF2B5EF4-FFF2-40B4-BE49-F238E27FC236}">
+                <a16:creationId xmlns:a16="http://schemas.microsoft.com/office/drawing/2014/main" id="{B0076A57-3324-9B58-5C8A-333A68B00AA9}"/>
+              </a:ext>
+            </a:extLst>
+          </p:cNvPr>
+          <p:cNvSpPr>
+            <a:spLocks noGrp="1"/>
+          </p:cNvSpPr>
+          <p:nvPr>
+            <p:ph type="title"/>
+          </p:nvPr>
+        </p:nvSpPr>
+        <p:spPr/>
+        <p:txBody>
+          <a:bodyPr/>
+          <a:lstStyle/>
+          <a:p>
+            <a:r>
+              <a:rPr lang="en-US" dirty="0"/>
+              <a:t>How it works?</a:t>
+            </a:r>
+            <a:endParaRPr lang="bg-BG" dirty="0"/>
+          </a:p>
+        </p:txBody>
+      </p:sp>
+      <p:sp>
+        <p:nvSpPr>
+          <p:cNvPr id="5" name="Text Placeholder 4">
+            <a:extLst>
+              <a:ext uri="{FF2B5EF4-FFF2-40B4-BE49-F238E27FC236}">
+                <a16:creationId xmlns:a16="http://schemas.microsoft.com/office/drawing/2014/main" id="{FED396D5-124D-79D9-5E8D-45739CB6D1FB}"/>
+              </a:ext>
+            </a:extLst>
+          </p:cNvPr>
+          <p:cNvSpPr>
+            <a:spLocks noGrp="1"/>
+          </p:cNvSpPr>
+          <p:nvPr>
+            <p:ph type="body" idx="1"/>
+          </p:nvPr>
+        </p:nvSpPr>
+        <p:spPr/>
+        <p:txBody>
+          <a:bodyPr/>
+          <a:lstStyle/>
+          <a:p>
+            <a:r>
+              <a:rPr lang="en-US" dirty="0"/>
+              <a:t>Once the client loads the page, a stateful connection is established</a:t>
+            </a:r>
+          </a:p>
+          <a:p>
+            <a:endParaRPr lang="en-US" dirty="0"/>
+          </a:p>
+          <a:p>
+            <a:r>
+              <a:rPr lang="en-US" dirty="0"/>
+              <a:t>Every client interaction sends a message to the server through a WebSocket</a:t>
+            </a:r>
+          </a:p>
+          <a:p>
+            <a:pPr lvl="1"/>
+            <a:r>
+              <a:rPr lang="en-US" dirty="0"/>
+              <a:t>The server can push messages to the client as well</a:t>
+            </a:r>
+          </a:p>
+          <a:p>
+            <a:pPr lvl="1"/>
+            <a:endParaRPr lang="en-US" dirty="0"/>
+          </a:p>
+          <a:p>
+            <a:r>
+              <a:rPr lang="en-US" dirty="0"/>
+              <a:t>Once the server receives the message, it determines the UI diff and sends it back to the client to visualize it</a:t>
+            </a:r>
+          </a:p>
+        </p:txBody>
+      </p:sp>
+    </p:spTree>
+    <p:extLst>
+      <p:ext uri="{BB962C8B-B14F-4D97-AF65-F5344CB8AC3E}">
+        <p14:creationId xmlns:p14="http://schemas.microsoft.com/office/powerpoint/2010/main" val="1649581383"/>
+      </p:ext>
+    </p:extLst>
+  </p:cSld>
+  <p:clrMapOvr>
+    <a:masterClrMapping/>
+  </p:clrMapOvr>
+  <p:transition spd="med"/>
+</p:sld>
+</file>
+
+<file path=ppt/slides/slide12.xml><?xml version="1.0" encoding="utf-8"?>
+<p:sld xmlns:a="http://schemas.openxmlformats.org/drawingml/2006/main" xmlns:r="http://schemas.openxmlformats.org/officeDocument/2006/relationships" xmlns:p="http://schemas.openxmlformats.org/presentationml/2006/main">
+  <p:cSld>
+    <p:spTree>
+      <p:nvGrpSpPr>
+        <p:cNvPr id="1" name=""/>
+        <p:cNvGrpSpPr/>
+        <p:nvPr/>
+      </p:nvGrpSpPr>
+      <p:grpSpPr>
+        <a:xfrm>
+          <a:off x="0" y="0"/>
+          <a:ext cx="0" cy="0"/>
+          <a:chOff x="0" y="0"/>
+          <a:chExt cx="0" cy="0"/>
+        </a:xfrm>
+      </p:grpSpPr>
+      <p:sp>
+        <p:nvSpPr>
+          <p:cNvPr id="2" name="Title 1">
+            <a:extLst>
+              <a:ext uri="{FF2B5EF4-FFF2-40B4-BE49-F238E27FC236}">
+                <a16:creationId xmlns:a16="http://schemas.microsoft.com/office/drawing/2014/main" id="{F755AD38-95CA-9DD7-477F-846C63906EB4}"/>
+              </a:ext>
+            </a:extLst>
+          </p:cNvPr>
+          <p:cNvSpPr>
+            <a:spLocks noGrp="1"/>
+          </p:cNvSpPr>
+          <p:nvPr>
+            <p:ph type="title"/>
+          </p:nvPr>
+        </p:nvSpPr>
+        <p:spPr/>
+        <p:txBody>
+          <a:bodyPr/>
+          <a:lstStyle/>
+          <a:p>
+            <a:r>
+              <a:rPr lang="en-US" dirty="0"/>
+              <a:t>Sample component</a:t>
+            </a:r>
+            <a:endParaRPr lang="bg-BG" dirty="0"/>
+          </a:p>
+        </p:txBody>
+      </p:sp>
+      <p:sp>
+        <p:nvSpPr>
+          <p:cNvPr id="3" name="Text Placeholder 2">
+            <a:extLst>
+              <a:ext uri="{FF2B5EF4-FFF2-40B4-BE49-F238E27FC236}">
+                <a16:creationId xmlns:a16="http://schemas.microsoft.com/office/drawing/2014/main" id="{8A798628-919A-380A-B574-D3316FA04566}"/>
+              </a:ext>
+            </a:extLst>
+          </p:cNvPr>
+          <p:cNvSpPr>
+            <a:spLocks noGrp="1"/>
+          </p:cNvSpPr>
+          <p:nvPr>
+            <p:ph type="body" idx="1"/>
+          </p:nvPr>
+        </p:nvSpPr>
+        <p:spPr>
+          <a:xfrm>
+            <a:off x="838200" y="1345995"/>
+            <a:ext cx="4675632" cy="4351339"/>
+          </a:xfrm>
+        </p:spPr>
+        <p:txBody>
+          <a:bodyPr>
+            <a:normAutofit lnSpcReduction="10000"/>
+          </a:bodyPr>
+          <a:lstStyle/>
+          <a:p>
+            <a:r>
+              <a:rPr lang="en-US" dirty="0"/>
+              <a:t>A component is a module with the following methods</a:t>
+            </a:r>
+          </a:p>
+          <a:p>
+            <a:endParaRPr lang="en-US" dirty="0"/>
+          </a:p>
+          <a:p>
+            <a:pPr lvl="1"/>
+            <a:r>
+              <a:rPr lang="en-US" dirty="0"/>
+              <a:t>render – returns the </a:t>
+            </a:r>
+            <a:r>
+              <a:rPr lang="en-US" dirty="0" err="1"/>
+              <a:t>HEEx</a:t>
+            </a:r>
+            <a:r>
+              <a:rPr lang="en-US" dirty="0"/>
+              <a:t> template of the component</a:t>
+            </a:r>
+          </a:p>
+          <a:p>
+            <a:pPr lvl="1"/>
+            <a:endParaRPr lang="en-US" dirty="0"/>
+          </a:p>
+          <a:p>
+            <a:pPr lvl="1"/>
+            <a:r>
+              <a:rPr lang="en-US" dirty="0"/>
+              <a:t>mount – </a:t>
+            </a:r>
+            <a:r>
+              <a:rPr lang="en-US" dirty="0" err="1"/>
+              <a:t>entrypoint</a:t>
+            </a:r>
+            <a:r>
+              <a:rPr lang="en-US" dirty="0"/>
+              <a:t> of the component</a:t>
+            </a:r>
+          </a:p>
+          <a:p>
+            <a:pPr lvl="1"/>
+            <a:endParaRPr lang="en-US" dirty="0"/>
+          </a:p>
+          <a:p>
+            <a:pPr lvl="1"/>
+            <a:r>
+              <a:rPr lang="en-US" dirty="0" err="1"/>
+              <a:t>handle_event</a:t>
+            </a:r>
+            <a:r>
+              <a:rPr lang="en-US" dirty="0"/>
+              <a:t> – used for handling user events</a:t>
+            </a:r>
+            <a:endParaRPr lang="bg-BG" dirty="0"/>
+          </a:p>
+        </p:txBody>
+      </p:sp>
+      <p:sp>
+        <p:nvSpPr>
+          <p:cNvPr id="5" name="Rectangle 4">
+            <a:extLst>
+              <a:ext uri="{FF2B5EF4-FFF2-40B4-BE49-F238E27FC236}">
+                <a16:creationId xmlns:a16="http://schemas.microsoft.com/office/drawing/2014/main" id="{CCEC4603-2F17-30C5-60DF-0CE3AA6B8DC3}"/>
+              </a:ext>
+            </a:extLst>
+          </p:cNvPr>
+          <p:cNvSpPr/>
+          <p:nvPr/>
+        </p:nvSpPr>
+        <p:spPr>
+          <a:xfrm>
+            <a:off x="6370320" y="288925"/>
+            <a:ext cx="5675376" cy="5517404"/>
+          </a:xfrm>
+          <a:prstGeom prst="rect">
+            <a:avLst/>
+          </a:prstGeom>
+          <a:solidFill>
+            <a:srgbClr val="F9F9F9"/>
+          </a:solidFill>
+          <a:ln w="25400" cap="flat">
+            <a:solidFill>
+              <a:schemeClr val="accent1"/>
+            </a:solidFill>
+            <a:prstDash val="solid"/>
+            <a:round/>
+          </a:ln>
+          <a:effectLst/>
+          <a:sp3d/>
+        </p:spPr>
+        <p:style>
+          <a:lnRef idx="0">
+            <a:scrgbClr r="0" g="0" b="0"/>
+          </a:lnRef>
+          <a:fillRef idx="0">
+            <a:scrgbClr r="0" g="0" b="0"/>
+          </a:fillRef>
+          <a:effectRef idx="0">
+            <a:scrgbClr r="0" g="0" b="0"/>
+          </a:effectRef>
+          <a:fontRef idx="none"/>
+        </p:style>
+        <p:txBody>
+          <a:bodyPr rot="0" spcFirstLastPara="1" vertOverflow="overflow" horzOverflow="overflow" vert="horz" wrap="square" lIns="45718" tIns="45718" rIns="45718" bIns="45718" numCol="1" spcCol="38100" rtlCol="0" anchor="ctr">
+            <a:spAutoFit/>
+          </a:bodyPr>
+          <a:lstStyle/>
+          <a:p>
+            <a:r>
+              <a:rPr lang="en-US" sz="1600" b="0" dirty="0">
+                <a:solidFill>
+                  <a:srgbClr val="0000FF"/>
+                </a:solidFill>
+                <a:effectLst/>
+                <a:latin typeface="Consolas" panose="020B0609020204030204" pitchFamily="49" charset="0"/>
+              </a:rPr>
+              <a:t>defmodule</a:t>
+            </a:r>
+            <a:r>
+              <a:rPr lang="en-US" sz="1600" b="0" dirty="0">
+                <a:solidFill>
+                  <a:srgbClr val="000000"/>
+                </a:solidFill>
+                <a:effectLst/>
+                <a:latin typeface="Consolas" panose="020B0609020204030204" pitchFamily="49" charset="0"/>
+              </a:rPr>
+              <a:t> </a:t>
+            </a:r>
+            <a:r>
+              <a:rPr lang="en-US" sz="1600" b="0" dirty="0" err="1">
+                <a:solidFill>
+                  <a:srgbClr val="000000"/>
+                </a:solidFill>
+                <a:effectLst/>
+                <a:latin typeface="Consolas" panose="020B0609020204030204" pitchFamily="49" charset="0"/>
+              </a:rPr>
+              <a:t>MyStoreWeb.Counter</a:t>
+            </a:r>
+            <a:r>
+              <a:rPr lang="en-US" sz="1600" b="0" dirty="0">
+                <a:solidFill>
+                  <a:srgbClr val="000000"/>
+                </a:solidFill>
+                <a:effectLst/>
+                <a:latin typeface="Consolas" panose="020B0609020204030204" pitchFamily="49" charset="0"/>
+              </a:rPr>
+              <a:t> </a:t>
+            </a:r>
+            <a:r>
+              <a:rPr lang="en-US" sz="1600" b="0" dirty="0">
+                <a:solidFill>
+                  <a:srgbClr val="0000FF"/>
+                </a:solidFill>
+                <a:effectLst/>
+                <a:latin typeface="Consolas" panose="020B0609020204030204" pitchFamily="49" charset="0"/>
+              </a:rPr>
+              <a:t>do</a:t>
+            </a:r>
+            <a:endParaRPr lang="en-US" sz="1600" b="0" dirty="0">
+              <a:solidFill>
+                <a:srgbClr val="000000"/>
+              </a:solidFill>
+              <a:effectLst/>
+              <a:latin typeface="Consolas" panose="020B0609020204030204" pitchFamily="49" charset="0"/>
+            </a:endParaRPr>
+          </a:p>
+          <a:p>
+            <a:r>
+              <a:rPr lang="en-US" sz="1600" b="0" dirty="0">
+                <a:solidFill>
+                  <a:srgbClr val="000000"/>
+                </a:solidFill>
+                <a:effectLst/>
+                <a:latin typeface="Consolas" panose="020B0609020204030204" pitchFamily="49" charset="0"/>
+              </a:rPr>
+              <a:t>  </a:t>
+            </a:r>
+            <a:r>
+              <a:rPr lang="en-US" sz="1600" b="0" dirty="0">
+                <a:solidFill>
+                  <a:srgbClr val="0000FF"/>
+                </a:solidFill>
+                <a:effectLst/>
+                <a:latin typeface="Consolas" panose="020B0609020204030204" pitchFamily="49" charset="0"/>
+              </a:rPr>
+              <a:t>use</a:t>
+            </a:r>
+            <a:r>
+              <a:rPr lang="en-US" sz="1600" b="0" dirty="0">
+                <a:solidFill>
+                  <a:srgbClr val="000000"/>
+                </a:solidFill>
+                <a:effectLst/>
+                <a:latin typeface="Consolas" panose="020B0609020204030204" pitchFamily="49" charset="0"/>
+              </a:rPr>
+              <a:t> </a:t>
+            </a:r>
+            <a:r>
+              <a:rPr lang="en-US" sz="1600" b="0" dirty="0" err="1">
+                <a:solidFill>
+                  <a:srgbClr val="000000"/>
+                </a:solidFill>
+                <a:effectLst/>
+                <a:latin typeface="Consolas" panose="020B0609020204030204" pitchFamily="49" charset="0"/>
+              </a:rPr>
+              <a:t>Phoenix.LiveView</a:t>
+            </a:r>
+            <a:endParaRPr lang="en-US" sz="1600" b="0" dirty="0">
+              <a:solidFill>
+                <a:srgbClr val="000000"/>
+              </a:solidFill>
+              <a:effectLst/>
+              <a:latin typeface="Consolas" panose="020B0609020204030204" pitchFamily="49" charset="0"/>
+            </a:endParaRPr>
+          </a:p>
+          <a:p>
+            <a:br>
+              <a:rPr lang="en-US" sz="1600" b="0" dirty="0">
+                <a:solidFill>
+                  <a:srgbClr val="000000"/>
+                </a:solidFill>
+                <a:effectLst/>
+                <a:latin typeface="Consolas" panose="020B0609020204030204" pitchFamily="49" charset="0"/>
+              </a:rPr>
+            </a:br>
+            <a:r>
+              <a:rPr lang="en-US" sz="1600" b="0" dirty="0">
+                <a:solidFill>
+                  <a:srgbClr val="000000"/>
+                </a:solidFill>
+                <a:effectLst/>
+                <a:latin typeface="Consolas" panose="020B0609020204030204" pitchFamily="49" charset="0"/>
+              </a:rPr>
+              <a:t>  </a:t>
+            </a:r>
+            <a:r>
+              <a:rPr lang="en-US" sz="1600" b="0" dirty="0">
+                <a:solidFill>
+                  <a:srgbClr val="0000FF"/>
+                </a:solidFill>
+                <a:effectLst/>
+                <a:latin typeface="Consolas" panose="020B0609020204030204" pitchFamily="49" charset="0"/>
+              </a:rPr>
+              <a:t>def</a:t>
+            </a:r>
+            <a:r>
+              <a:rPr lang="en-US" sz="1600" b="0" dirty="0">
+                <a:solidFill>
+                  <a:srgbClr val="000000"/>
+                </a:solidFill>
+                <a:effectLst/>
+                <a:latin typeface="Consolas" panose="020B0609020204030204" pitchFamily="49" charset="0"/>
+              </a:rPr>
+              <a:t> render(assigns) </a:t>
+            </a:r>
+            <a:r>
+              <a:rPr lang="en-US" sz="1600" b="0" dirty="0">
+                <a:solidFill>
+                  <a:srgbClr val="0000FF"/>
+                </a:solidFill>
+                <a:effectLst/>
+                <a:latin typeface="Consolas" panose="020B0609020204030204" pitchFamily="49" charset="0"/>
+              </a:rPr>
+              <a:t>do</a:t>
+            </a:r>
+            <a:endParaRPr lang="en-US" sz="1600" b="0" dirty="0">
+              <a:solidFill>
+                <a:srgbClr val="000000"/>
+              </a:solidFill>
+              <a:effectLst/>
+              <a:latin typeface="Consolas" panose="020B0609020204030204" pitchFamily="49" charset="0"/>
+            </a:endParaRPr>
+          </a:p>
+          <a:p>
+            <a:r>
+              <a:rPr lang="en-US" sz="1600" b="0" dirty="0">
+                <a:solidFill>
+                  <a:srgbClr val="000000"/>
+                </a:solidFill>
+                <a:effectLst/>
+                <a:latin typeface="Consolas" panose="020B0609020204030204" pitchFamily="49" charset="0"/>
+              </a:rPr>
+              <a:t>    </a:t>
+            </a:r>
+            <a:r>
+              <a:rPr lang="en-US" sz="1600" b="0" dirty="0">
+                <a:solidFill>
+                  <a:srgbClr val="A31515"/>
+                </a:solidFill>
+                <a:effectLst/>
+                <a:latin typeface="Consolas" panose="020B0609020204030204" pitchFamily="49" charset="0"/>
+              </a:rPr>
+              <a:t>~H"""</a:t>
+            </a:r>
+            <a:endParaRPr lang="en-US" sz="1600" b="0" dirty="0">
+              <a:solidFill>
+                <a:srgbClr val="000000"/>
+              </a:solidFill>
+              <a:effectLst/>
+              <a:latin typeface="Consolas" panose="020B0609020204030204" pitchFamily="49" charset="0"/>
+            </a:endParaRPr>
+          </a:p>
+          <a:p>
+            <a:r>
+              <a:rPr lang="en-US" sz="1600" b="0" dirty="0">
+                <a:solidFill>
+                  <a:srgbClr val="A31515"/>
+                </a:solidFill>
+                <a:effectLst/>
+                <a:latin typeface="Consolas" panose="020B0609020204030204" pitchFamily="49" charset="0"/>
+              </a:rPr>
+              <a:t>    Current value: &lt;%= @value %&gt; &lt;</a:t>
+            </a:r>
+            <a:r>
+              <a:rPr lang="en-US" sz="1600" b="0" dirty="0" err="1">
+                <a:solidFill>
+                  <a:srgbClr val="A31515"/>
+                </a:solidFill>
+                <a:effectLst/>
+                <a:latin typeface="Consolas" panose="020B0609020204030204" pitchFamily="49" charset="0"/>
+              </a:rPr>
+              <a:t>br</a:t>
+            </a:r>
+            <a:r>
+              <a:rPr lang="en-US" sz="1600" b="0" dirty="0">
+                <a:solidFill>
+                  <a:srgbClr val="A31515"/>
+                </a:solidFill>
+                <a:effectLst/>
+                <a:latin typeface="Consolas" panose="020B0609020204030204" pitchFamily="49" charset="0"/>
+              </a:rPr>
+              <a:t> /&gt;</a:t>
+            </a:r>
+            <a:endParaRPr lang="en-US" sz="1600" b="0" dirty="0">
+              <a:solidFill>
+                <a:srgbClr val="000000"/>
+              </a:solidFill>
+              <a:effectLst/>
+              <a:latin typeface="Consolas" panose="020B0609020204030204" pitchFamily="49" charset="0"/>
+            </a:endParaRPr>
+          </a:p>
+          <a:p>
+            <a:r>
+              <a:rPr lang="en-US" sz="1600" b="0" dirty="0">
+                <a:solidFill>
+                  <a:srgbClr val="A31515"/>
+                </a:solidFill>
+                <a:effectLst/>
+                <a:latin typeface="Consolas" panose="020B0609020204030204" pitchFamily="49" charset="0"/>
+              </a:rPr>
+              <a:t>    &lt;button </a:t>
+            </a:r>
+            <a:r>
+              <a:rPr lang="en-US" sz="1600" b="0" dirty="0" err="1">
+                <a:solidFill>
+                  <a:srgbClr val="A31515"/>
+                </a:solidFill>
+                <a:effectLst/>
+                <a:latin typeface="Consolas" panose="020B0609020204030204" pitchFamily="49" charset="0"/>
+              </a:rPr>
+              <a:t>phx</a:t>
+            </a:r>
+            <a:r>
+              <a:rPr lang="en-US" sz="1600" b="0" dirty="0">
+                <a:solidFill>
+                  <a:srgbClr val="A31515"/>
+                </a:solidFill>
+                <a:effectLst/>
+                <a:latin typeface="Consolas" panose="020B0609020204030204" pitchFamily="49" charset="0"/>
+              </a:rPr>
+              <a:t>-click="</a:t>
+            </a:r>
+            <a:r>
+              <a:rPr lang="en-US" sz="1600" b="0" dirty="0" err="1">
+                <a:solidFill>
+                  <a:srgbClr val="A31515"/>
+                </a:solidFill>
+                <a:effectLst/>
+                <a:latin typeface="Consolas" panose="020B0609020204030204" pitchFamily="49" charset="0"/>
+              </a:rPr>
+              <a:t>inc_value</a:t>
+            </a:r>
+            <a:r>
+              <a:rPr lang="en-US" sz="1600" b="0" dirty="0">
+                <a:solidFill>
+                  <a:srgbClr val="A31515"/>
+                </a:solidFill>
+                <a:effectLst/>
+                <a:latin typeface="Consolas" panose="020B0609020204030204" pitchFamily="49" charset="0"/>
+              </a:rPr>
+              <a:t>"&gt;+&lt;/button&gt;</a:t>
+            </a:r>
+            <a:endParaRPr lang="en-US" sz="1600" b="0" dirty="0">
+              <a:solidFill>
+                <a:srgbClr val="000000"/>
+              </a:solidFill>
+              <a:effectLst/>
+              <a:latin typeface="Consolas" panose="020B0609020204030204" pitchFamily="49" charset="0"/>
+            </a:endParaRPr>
+          </a:p>
+          <a:p>
+            <a:r>
+              <a:rPr lang="en-US" sz="1600" b="0" dirty="0">
+                <a:solidFill>
+                  <a:srgbClr val="A31515"/>
+                </a:solidFill>
+                <a:effectLst/>
+                <a:latin typeface="Consolas" panose="020B0609020204030204" pitchFamily="49" charset="0"/>
+              </a:rPr>
+              <a:t>    """</a:t>
+            </a:r>
+            <a:endParaRPr lang="en-US" sz="1600" b="0" dirty="0">
+              <a:solidFill>
+                <a:srgbClr val="000000"/>
+              </a:solidFill>
+              <a:effectLst/>
+              <a:latin typeface="Consolas" panose="020B0609020204030204" pitchFamily="49" charset="0"/>
+            </a:endParaRPr>
+          </a:p>
+          <a:p>
+            <a:r>
+              <a:rPr lang="en-US" sz="1600" b="0" dirty="0">
+                <a:solidFill>
+                  <a:srgbClr val="000000"/>
+                </a:solidFill>
+                <a:effectLst/>
+                <a:latin typeface="Consolas" panose="020B0609020204030204" pitchFamily="49" charset="0"/>
+              </a:rPr>
+              <a:t>  </a:t>
+            </a:r>
+            <a:r>
+              <a:rPr lang="en-US" sz="1600" b="0" dirty="0">
+                <a:solidFill>
+                  <a:srgbClr val="0000FF"/>
+                </a:solidFill>
+                <a:effectLst/>
+                <a:latin typeface="Consolas" panose="020B0609020204030204" pitchFamily="49" charset="0"/>
+              </a:rPr>
+              <a:t>end</a:t>
+            </a:r>
+            <a:endParaRPr lang="en-US" sz="1600" b="0" dirty="0">
+              <a:solidFill>
+                <a:srgbClr val="000000"/>
+              </a:solidFill>
+              <a:effectLst/>
+              <a:latin typeface="Consolas" panose="020B0609020204030204" pitchFamily="49" charset="0"/>
+            </a:endParaRPr>
+          </a:p>
+          <a:p>
+            <a:br>
+              <a:rPr lang="en-US" sz="1600" b="0" dirty="0">
+                <a:solidFill>
+                  <a:srgbClr val="000000"/>
+                </a:solidFill>
+                <a:effectLst/>
+                <a:latin typeface="Consolas" panose="020B0609020204030204" pitchFamily="49" charset="0"/>
+              </a:rPr>
+            </a:br>
+            <a:r>
+              <a:rPr lang="en-US" sz="1600" b="0" dirty="0">
+                <a:solidFill>
+                  <a:srgbClr val="000000"/>
+                </a:solidFill>
+                <a:effectLst/>
+                <a:latin typeface="Consolas" panose="020B0609020204030204" pitchFamily="49" charset="0"/>
+              </a:rPr>
+              <a:t>  </a:t>
+            </a:r>
+            <a:r>
+              <a:rPr lang="en-US" sz="1600" b="0" dirty="0">
+                <a:solidFill>
+                  <a:srgbClr val="0000FF"/>
+                </a:solidFill>
+                <a:effectLst/>
+                <a:latin typeface="Consolas" panose="020B0609020204030204" pitchFamily="49" charset="0"/>
+              </a:rPr>
+              <a:t>def</a:t>
+            </a:r>
+            <a:r>
+              <a:rPr lang="en-US" sz="1600" b="0" dirty="0">
+                <a:solidFill>
+                  <a:srgbClr val="000000"/>
+                </a:solidFill>
+                <a:effectLst/>
+                <a:latin typeface="Consolas" panose="020B0609020204030204" pitchFamily="49" charset="0"/>
+              </a:rPr>
+              <a:t> mount(</a:t>
+            </a:r>
+            <a:r>
+              <a:rPr lang="en-US" sz="1600" b="0" dirty="0">
+                <a:solidFill>
+                  <a:srgbClr val="008000"/>
+                </a:solidFill>
+                <a:effectLst/>
+                <a:latin typeface="Consolas" panose="020B0609020204030204" pitchFamily="49" charset="0"/>
+              </a:rPr>
+              <a:t>_params</a:t>
+            </a:r>
+            <a:r>
+              <a:rPr lang="en-US" sz="1600" b="0" dirty="0">
+                <a:solidFill>
+                  <a:srgbClr val="000000"/>
+                </a:solidFill>
+                <a:effectLst/>
+                <a:latin typeface="Consolas" panose="020B0609020204030204" pitchFamily="49" charset="0"/>
+              </a:rPr>
+              <a:t>, </a:t>
+            </a:r>
+            <a:r>
+              <a:rPr lang="en-US" sz="1600" b="0" dirty="0">
+                <a:solidFill>
+                  <a:srgbClr val="008000"/>
+                </a:solidFill>
+                <a:effectLst/>
+                <a:latin typeface="Consolas" panose="020B0609020204030204" pitchFamily="49" charset="0"/>
+              </a:rPr>
+              <a:t>_session</a:t>
+            </a:r>
+            <a:r>
+              <a:rPr lang="en-US" sz="1600" b="0" dirty="0">
+                <a:solidFill>
+                  <a:srgbClr val="000000"/>
+                </a:solidFill>
+                <a:effectLst/>
+                <a:latin typeface="Consolas" panose="020B0609020204030204" pitchFamily="49" charset="0"/>
+              </a:rPr>
+              <a:t>, socket) </a:t>
+            </a:r>
+            <a:r>
+              <a:rPr lang="en-US" sz="1600" b="0" dirty="0">
+                <a:solidFill>
+                  <a:srgbClr val="0000FF"/>
+                </a:solidFill>
+                <a:effectLst/>
+                <a:latin typeface="Consolas" panose="020B0609020204030204" pitchFamily="49" charset="0"/>
+              </a:rPr>
+              <a:t>do</a:t>
+            </a:r>
+            <a:endParaRPr lang="en-US" sz="1600" b="0" dirty="0">
+              <a:solidFill>
+                <a:srgbClr val="000000"/>
+              </a:solidFill>
+              <a:effectLst/>
+              <a:latin typeface="Consolas" panose="020B0609020204030204" pitchFamily="49" charset="0"/>
+            </a:endParaRPr>
+          </a:p>
+          <a:p>
+            <a:r>
+              <a:rPr lang="en-US" sz="1600" b="0" dirty="0">
+                <a:solidFill>
+                  <a:srgbClr val="000000"/>
+                </a:solidFill>
+                <a:effectLst/>
+                <a:latin typeface="Consolas" panose="020B0609020204030204" pitchFamily="49" charset="0"/>
+              </a:rPr>
+              <a:t>    {</a:t>
+            </a:r>
+            <a:r>
+              <a:rPr lang="en-US" sz="1600" b="0" dirty="0">
+                <a:solidFill>
+                  <a:srgbClr val="0000FF"/>
+                </a:solidFill>
+                <a:effectLst/>
+                <a:latin typeface="Consolas" panose="020B0609020204030204" pitchFamily="49" charset="0"/>
+              </a:rPr>
+              <a:t>:ok</a:t>
+            </a:r>
+            <a:r>
+              <a:rPr lang="en-US" sz="1600" b="0" dirty="0">
+                <a:solidFill>
+                  <a:srgbClr val="000000"/>
+                </a:solidFill>
+                <a:effectLst/>
+                <a:latin typeface="Consolas" panose="020B0609020204030204" pitchFamily="49" charset="0"/>
+              </a:rPr>
+              <a:t>, assign(socket, </a:t>
+            </a:r>
+            <a:r>
+              <a:rPr lang="en-US" sz="1600" b="0" dirty="0">
+                <a:solidFill>
+                  <a:srgbClr val="0000FF"/>
+                </a:solidFill>
+                <a:effectLst/>
+                <a:latin typeface="Consolas" panose="020B0609020204030204" pitchFamily="49" charset="0"/>
+              </a:rPr>
+              <a:t>:value</a:t>
+            </a:r>
+            <a:r>
+              <a:rPr lang="en-US" sz="1600" b="0" dirty="0">
+                <a:solidFill>
+                  <a:srgbClr val="000000"/>
+                </a:solidFill>
+                <a:effectLst/>
+                <a:latin typeface="Consolas" panose="020B0609020204030204" pitchFamily="49" charset="0"/>
+              </a:rPr>
+              <a:t>, 20)}</a:t>
+            </a:r>
+          </a:p>
+          <a:p>
+            <a:r>
+              <a:rPr lang="en-US" sz="1600" b="0" dirty="0">
+                <a:solidFill>
+                  <a:srgbClr val="000000"/>
+                </a:solidFill>
+                <a:effectLst/>
+                <a:latin typeface="Consolas" panose="020B0609020204030204" pitchFamily="49" charset="0"/>
+              </a:rPr>
+              <a:t>  </a:t>
+            </a:r>
+            <a:r>
+              <a:rPr lang="en-US" sz="1600" b="0" dirty="0">
+                <a:solidFill>
+                  <a:srgbClr val="0000FF"/>
+                </a:solidFill>
+                <a:effectLst/>
+                <a:latin typeface="Consolas" panose="020B0609020204030204" pitchFamily="49" charset="0"/>
+              </a:rPr>
+              <a:t>end</a:t>
+            </a:r>
+            <a:br>
+              <a:rPr lang="en-US" sz="1600" b="0" dirty="0">
+                <a:solidFill>
+                  <a:srgbClr val="000000"/>
+                </a:solidFill>
+                <a:effectLst/>
+                <a:latin typeface="Consolas" panose="020B0609020204030204" pitchFamily="49" charset="0"/>
+              </a:rPr>
+            </a:br>
+            <a:br>
+              <a:rPr lang="en-US" sz="1600" b="0" dirty="0">
+                <a:solidFill>
+                  <a:srgbClr val="000000"/>
+                </a:solidFill>
+                <a:effectLst/>
+                <a:latin typeface="Consolas" panose="020B0609020204030204" pitchFamily="49" charset="0"/>
+              </a:rPr>
+            </a:br>
+            <a:r>
+              <a:rPr lang="en-US" sz="1600" b="0" dirty="0">
+                <a:solidFill>
+                  <a:srgbClr val="000000"/>
+                </a:solidFill>
+                <a:effectLst/>
+                <a:latin typeface="Consolas" panose="020B0609020204030204" pitchFamily="49" charset="0"/>
+              </a:rPr>
+              <a:t>  </a:t>
+            </a:r>
+            <a:r>
+              <a:rPr lang="en-US" sz="1600" b="0" dirty="0">
+                <a:solidFill>
+                  <a:srgbClr val="0000FF"/>
+                </a:solidFill>
+                <a:effectLst/>
+                <a:latin typeface="Consolas" panose="020B0609020204030204" pitchFamily="49" charset="0"/>
+              </a:rPr>
+              <a:t>def</a:t>
+            </a:r>
+            <a:r>
+              <a:rPr lang="en-US" sz="1600" b="0" dirty="0">
+                <a:solidFill>
+                  <a:srgbClr val="000000"/>
+                </a:solidFill>
+                <a:effectLst/>
+                <a:latin typeface="Consolas" panose="020B0609020204030204" pitchFamily="49" charset="0"/>
+              </a:rPr>
+              <a:t> </a:t>
+            </a:r>
+            <a:r>
+              <a:rPr lang="en-US" sz="1600" b="0" dirty="0" err="1">
+                <a:solidFill>
+                  <a:srgbClr val="000000"/>
+                </a:solidFill>
+                <a:effectLst/>
+                <a:latin typeface="Consolas" panose="020B0609020204030204" pitchFamily="49" charset="0"/>
+              </a:rPr>
+              <a:t>handle_event</a:t>
+            </a:r>
+            <a:r>
+              <a:rPr lang="en-US" sz="1600" b="0" dirty="0">
+                <a:solidFill>
+                  <a:srgbClr val="000000"/>
+                </a:solidFill>
+                <a:effectLst/>
+                <a:latin typeface="Consolas" panose="020B0609020204030204" pitchFamily="49" charset="0"/>
+              </a:rPr>
+              <a:t>(</a:t>
+            </a:r>
+            <a:r>
+              <a:rPr lang="en-US" sz="1600" b="0" dirty="0">
+                <a:solidFill>
+                  <a:srgbClr val="A31515"/>
+                </a:solidFill>
+                <a:effectLst/>
+                <a:latin typeface="Consolas" panose="020B0609020204030204" pitchFamily="49" charset="0"/>
+              </a:rPr>
+              <a:t>"</a:t>
+            </a:r>
+            <a:r>
+              <a:rPr lang="en-US" sz="1600" b="0" dirty="0" err="1">
+                <a:solidFill>
+                  <a:srgbClr val="A31515"/>
+                </a:solidFill>
+                <a:effectLst/>
+                <a:latin typeface="Consolas" panose="020B0609020204030204" pitchFamily="49" charset="0"/>
+              </a:rPr>
+              <a:t>inc_value</a:t>
+            </a:r>
+            <a:r>
+              <a:rPr lang="en-US" sz="1600" b="0" dirty="0">
+                <a:solidFill>
+                  <a:srgbClr val="A31515"/>
+                </a:solidFill>
+                <a:effectLst/>
+                <a:latin typeface="Consolas" panose="020B0609020204030204" pitchFamily="49" charset="0"/>
+              </a:rPr>
+              <a:t>"</a:t>
+            </a:r>
+            <a:r>
+              <a:rPr lang="en-US" sz="1600" b="0" dirty="0">
+                <a:solidFill>
+                  <a:srgbClr val="000000"/>
+                </a:solidFill>
+                <a:effectLst/>
+                <a:latin typeface="Consolas" panose="020B0609020204030204" pitchFamily="49" charset="0"/>
+              </a:rPr>
+              <a:t>, </a:t>
+            </a:r>
+            <a:r>
+              <a:rPr lang="en-US" sz="1600" b="0" dirty="0">
+                <a:solidFill>
+                  <a:srgbClr val="008000"/>
+                </a:solidFill>
+                <a:effectLst/>
+                <a:latin typeface="Consolas" panose="020B0609020204030204" pitchFamily="49" charset="0"/>
+              </a:rPr>
+              <a:t>params</a:t>
+            </a:r>
+            <a:r>
+              <a:rPr lang="en-US" sz="1600" b="0" dirty="0">
+                <a:solidFill>
+                  <a:srgbClr val="000000"/>
+                </a:solidFill>
+                <a:effectLst/>
+                <a:latin typeface="Consolas" panose="020B0609020204030204" pitchFamily="49" charset="0"/>
+              </a:rPr>
+              <a:t>, socket) </a:t>
+            </a:r>
+            <a:r>
+              <a:rPr lang="en-US" sz="1600" b="0" dirty="0">
+                <a:solidFill>
+                  <a:srgbClr val="0000FF"/>
+                </a:solidFill>
+                <a:effectLst/>
+                <a:latin typeface="Consolas" panose="020B0609020204030204" pitchFamily="49" charset="0"/>
+              </a:rPr>
+              <a:t>do</a:t>
+            </a:r>
+            <a:endParaRPr lang="en-US" sz="1600" b="0" dirty="0">
+              <a:solidFill>
+                <a:srgbClr val="000000"/>
+              </a:solidFill>
+              <a:effectLst/>
+              <a:latin typeface="Consolas" panose="020B0609020204030204" pitchFamily="49" charset="0"/>
+            </a:endParaRPr>
+          </a:p>
+          <a:p>
+            <a:r>
+              <a:rPr lang="en-US" sz="1600" b="0" dirty="0">
+                <a:solidFill>
+                  <a:srgbClr val="000000"/>
+                </a:solidFill>
+                <a:effectLst/>
+                <a:latin typeface="Consolas" panose="020B0609020204030204" pitchFamily="49" charset="0"/>
+              </a:rPr>
+              <a:t>    {</a:t>
+            </a:r>
+            <a:r>
+              <a:rPr lang="en-US" sz="1600" b="0" dirty="0">
+                <a:solidFill>
+                  <a:srgbClr val="0000FF"/>
+                </a:solidFill>
+                <a:effectLst/>
+                <a:latin typeface="Consolas" panose="020B0609020204030204" pitchFamily="49" charset="0"/>
+              </a:rPr>
+              <a:t>:</a:t>
+            </a:r>
+            <a:r>
+              <a:rPr lang="en-US" sz="1600" b="0" dirty="0" err="1">
+                <a:solidFill>
+                  <a:srgbClr val="0000FF"/>
+                </a:solidFill>
+                <a:effectLst/>
+                <a:latin typeface="Consolas" panose="020B0609020204030204" pitchFamily="49" charset="0"/>
+              </a:rPr>
+              <a:t>noreply</a:t>
+            </a:r>
+            <a:r>
+              <a:rPr lang="en-US" sz="1600" b="0" dirty="0">
+                <a:solidFill>
+                  <a:srgbClr val="000000"/>
+                </a:solidFill>
+                <a:effectLst/>
+                <a:latin typeface="Consolas" panose="020B0609020204030204" pitchFamily="49" charset="0"/>
+              </a:rPr>
+              <a:t>, update(socket, </a:t>
+            </a:r>
+            <a:r>
+              <a:rPr lang="en-US" sz="1600" b="0" dirty="0">
+                <a:solidFill>
+                  <a:srgbClr val="0000FF"/>
+                </a:solidFill>
+                <a:effectLst/>
+                <a:latin typeface="Consolas" panose="020B0609020204030204" pitchFamily="49" charset="0"/>
+              </a:rPr>
+              <a:t>:value</a:t>
+            </a:r>
+            <a:r>
+              <a:rPr lang="en-US" sz="1600" b="0" dirty="0">
+                <a:solidFill>
+                  <a:srgbClr val="000000"/>
+                </a:solidFill>
+                <a:effectLst/>
+                <a:latin typeface="Consolas" panose="020B0609020204030204" pitchFamily="49" charset="0"/>
+              </a:rPr>
+              <a:t>, </a:t>
+            </a:r>
+            <a:r>
+              <a:rPr lang="en-US" sz="1600" b="0" dirty="0" err="1">
+                <a:solidFill>
+                  <a:srgbClr val="0000FF"/>
+                </a:solidFill>
+                <a:effectLst/>
+                <a:latin typeface="Consolas" panose="020B0609020204030204" pitchFamily="49" charset="0"/>
+              </a:rPr>
+              <a:t>fn</a:t>
+            </a:r>
+            <a:r>
+              <a:rPr lang="en-US" sz="1600" b="0" dirty="0">
+                <a:solidFill>
+                  <a:srgbClr val="000000"/>
+                </a:solidFill>
+                <a:effectLst/>
+                <a:latin typeface="Consolas" panose="020B0609020204030204" pitchFamily="49" charset="0"/>
+              </a:rPr>
+              <a:t> x -&gt; …}</a:t>
+            </a:r>
+          </a:p>
+          <a:p>
+            <a:r>
+              <a:rPr lang="en-US" sz="1600" b="0" dirty="0">
+                <a:solidFill>
+                  <a:srgbClr val="000000"/>
+                </a:solidFill>
+                <a:effectLst/>
+                <a:latin typeface="Consolas" panose="020B0609020204030204" pitchFamily="49" charset="0"/>
+              </a:rPr>
+              <a:t>  </a:t>
+            </a:r>
+            <a:r>
+              <a:rPr lang="en-US" sz="1600" b="0" dirty="0">
+                <a:solidFill>
+                  <a:srgbClr val="0000FF"/>
+                </a:solidFill>
+                <a:effectLst/>
+                <a:latin typeface="Consolas" panose="020B0609020204030204" pitchFamily="49" charset="0"/>
+              </a:rPr>
+              <a:t>end</a:t>
+            </a:r>
+            <a:endParaRPr lang="en-US" sz="1600" b="0" dirty="0">
+              <a:solidFill>
+                <a:srgbClr val="000000"/>
+              </a:solidFill>
+              <a:effectLst/>
+              <a:latin typeface="Consolas" panose="020B0609020204030204" pitchFamily="49" charset="0"/>
+            </a:endParaRPr>
+          </a:p>
+          <a:p>
+            <a:r>
+              <a:rPr lang="en-US" sz="1600" b="0" dirty="0">
+                <a:solidFill>
+                  <a:srgbClr val="0000FF"/>
+                </a:solidFill>
+                <a:effectLst/>
+                <a:latin typeface="Consolas" panose="020B0609020204030204" pitchFamily="49" charset="0"/>
+              </a:rPr>
+              <a:t>end</a:t>
+            </a:r>
+            <a:endParaRPr lang="en-US" sz="1600" b="0" dirty="0">
+              <a:solidFill>
+                <a:srgbClr val="000000"/>
+              </a:solidFill>
+              <a:effectLst/>
+              <a:latin typeface="Consolas" panose="020B0609020204030204" pitchFamily="49" charset="0"/>
+            </a:endParaRPr>
+          </a:p>
+        </p:txBody>
+      </p:sp>
+    </p:spTree>
+    <p:extLst>
+      <p:ext uri="{BB962C8B-B14F-4D97-AF65-F5344CB8AC3E}">
+        <p14:creationId xmlns:p14="http://schemas.microsoft.com/office/powerpoint/2010/main" val="404207514"/>
+      </p:ext>
+    </p:extLst>
+  </p:cSld>
+  <p:clrMapOvr>
+    <a:masterClrMapping/>
+  </p:clrMapOvr>
+  <p:transition spd="med"/>
+</p:sld>
+</file>
+
+<file path=ppt/slides/slide13.xml><?xml version="1.0" encoding="utf-8"?>
+<p:sld xmlns:a="http://schemas.openxmlformats.org/drawingml/2006/main" xmlns:r="http://schemas.openxmlformats.org/officeDocument/2006/relationships" xmlns:p="http://schemas.openxmlformats.org/presentationml/2006/main">
+  <p:cSld>
+    <p:spTree>
+      <p:nvGrpSpPr>
+        <p:cNvPr id="1" name="">
+          <a:extLst>
+            <a:ext uri="{FF2B5EF4-FFF2-40B4-BE49-F238E27FC236}">
+              <a16:creationId xmlns:a16="http://schemas.microsoft.com/office/drawing/2014/main" id="{4E891711-81CD-A9B7-4C1F-F674C84D3358}"/>
+            </a:ext>
+          </a:extLst>
+        </p:cNvPr>
+        <p:cNvGrpSpPr/>
+        <p:nvPr/>
+      </p:nvGrpSpPr>
+      <p:grpSpPr>
+        <a:xfrm>
+          <a:off x="0" y="0"/>
+          <a:ext cx="0" cy="0"/>
+          <a:chOff x="0" y="0"/>
+          <a:chExt cx="0" cy="0"/>
+        </a:xfrm>
+      </p:grpSpPr>
+      <p:sp>
+        <p:nvSpPr>
+          <p:cNvPr id="4" name="Title 3">
+            <a:extLst>
+              <a:ext uri="{FF2B5EF4-FFF2-40B4-BE49-F238E27FC236}">
+                <a16:creationId xmlns:a16="http://schemas.microsoft.com/office/drawing/2014/main" id="{DBF1BAE9-0B54-2FA8-0D58-DF52E37A2773}"/>
+              </a:ext>
+            </a:extLst>
+          </p:cNvPr>
+          <p:cNvSpPr>
+            <a:spLocks noGrp="1"/>
+          </p:cNvSpPr>
+          <p:nvPr>
+            <p:ph type="title"/>
+          </p:nvPr>
+        </p:nvSpPr>
+        <p:spPr/>
+        <p:txBody>
+          <a:bodyPr/>
+          <a:lstStyle/>
+          <a:p>
+            <a:r>
+              <a:rPr lang="en-US" dirty="0" err="1"/>
+              <a:t>LiveView</a:t>
+            </a:r>
+            <a:r>
+              <a:rPr lang="en-US" dirty="0"/>
+              <a:t> components – </a:t>
+            </a:r>
+            <a:r>
+              <a:rPr lang="en-US" dirty="0" err="1"/>
+              <a:t>Genservers</a:t>
+            </a:r>
+            <a:r>
+              <a:rPr lang="en-US"/>
+              <a:t>?</a:t>
+            </a:r>
+            <a:endParaRPr lang="bg-BG" dirty="0"/>
+          </a:p>
+        </p:txBody>
+      </p:sp>
+      <p:sp>
+        <p:nvSpPr>
+          <p:cNvPr id="5" name="Text Placeholder 4">
+            <a:extLst>
+              <a:ext uri="{FF2B5EF4-FFF2-40B4-BE49-F238E27FC236}">
+                <a16:creationId xmlns:a16="http://schemas.microsoft.com/office/drawing/2014/main" id="{29917D0D-EA4C-A01E-8370-8D7A1F9C371E}"/>
+              </a:ext>
+            </a:extLst>
+          </p:cNvPr>
+          <p:cNvSpPr>
+            <a:spLocks noGrp="1"/>
+          </p:cNvSpPr>
+          <p:nvPr>
+            <p:ph type="body" idx="1"/>
+          </p:nvPr>
+        </p:nvSpPr>
+        <p:spPr/>
+        <p:txBody>
+          <a:bodyPr/>
+          <a:lstStyle/>
+          <a:p>
+            <a:r>
+              <a:rPr lang="en-US" dirty="0"/>
+              <a:t>Each </a:t>
+            </a:r>
+            <a:r>
+              <a:rPr lang="en-US" dirty="0" err="1"/>
+              <a:t>LiveView</a:t>
+            </a:r>
+            <a:r>
+              <a:rPr lang="en-US" dirty="0"/>
+              <a:t> component is a process</a:t>
+            </a:r>
+          </a:p>
+          <a:p>
+            <a:endParaRPr lang="en-US" dirty="0"/>
+          </a:p>
+          <a:p>
+            <a:r>
+              <a:rPr lang="en-US" dirty="0"/>
+              <a:t>It keeps track of it’s own state</a:t>
+            </a:r>
+          </a:p>
+          <a:p>
+            <a:endParaRPr lang="en-US" dirty="0"/>
+          </a:p>
+          <a:p>
+            <a:r>
+              <a:rPr lang="en-US" dirty="0"/>
+              <a:t>It handles messages, and can send messages as well</a:t>
+            </a:r>
+          </a:p>
+          <a:p>
+            <a:endParaRPr lang="en-US" dirty="0"/>
+          </a:p>
+          <a:p>
+            <a:r>
+              <a:rPr lang="en-US" dirty="0"/>
+              <a:t>Does it sound similar?</a:t>
+            </a:r>
+          </a:p>
+        </p:txBody>
+      </p:sp>
+    </p:spTree>
+    <p:extLst>
+      <p:ext uri="{BB962C8B-B14F-4D97-AF65-F5344CB8AC3E}">
+        <p14:creationId xmlns:p14="http://schemas.microsoft.com/office/powerpoint/2010/main" val="1116573590"/>
+      </p:ext>
+    </p:extLst>
+  </p:cSld>
+  <p:clrMapOvr>
+    <a:masterClrMapping/>
+  </p:clrMapOvr>
+  <p:transition spd="med"/>
+</p:sld>
+</file>
+
+<file path=ppt/slides/slide14.xml><?xml version="1.0" encoding="utf-8"?>
+<p:sld xmlns:a="http://schemas.openxmlformats.org/drawingml/2006/main" xmlns:r="http://schemas.openxmlformats.org/officeDocument/2006/relationships" xmlns:p="http://schemas.openxmlformats.org/presentationml/2006/main">
+  <p:cSld>
+    <p:spTree>
+      <p:nvGrpSpPr>
+        <p:cNvPr id="1" name="">
+          <a:extLst>
+            <a:ext uri="{FF2B5EF4-FFF2-40B4-BE49-F238E27FC236}">
+              <a16:creationId xmlns:a16="http://schemas.microsoft.com/office/drawing/2014/main" id="{6E82CD0F-E248-0987-3CD3-C37F1007BFCF}"/>
+            </a:ext>
+          </a:extLst>
+        </p:cNvPr>
+        <p:cNvGrpSpPr/>
+        <p:nvPr/>
+      </p:nvGrpSpPr>
+      <p:grpSpPr>
+        <a:xfrm>
+          <a:off x="0" y="0"/>
+          <a:ext cx="0" cy="0"/>
+          <a:chOff x="0" y="0"/>
+          <a:chExt cx="0" cy="0"/>
+        </a:xfrm>
+      </p:grpSpPr>
+      <p:sp>
+        <p:nvSpPr>
+          <p:cNvPr id="4" name="Title 3">
+            <a:extLst>
+              <a:ext uri="{FF2B5EF4-FFF2-40B4-BE49-F238E27FC236}">
+                <a16:creationId xmlns:a16="http://schemas.microsoft.com/office/drawing/2014/main" id="{37F823D6-3475-8F21-BBF7-81C4C993F974}"/>
+              </a:ext>
+            </a:extLst>
+          </p:cNvPr>
+          <p:cNvSpPr>
+            <a:spLocks noGrp="1"/>
+          </p:cNvSpPr>
+          <p:nvPr>
+            <p:ph type="title"/>
+          </p:nvPr>
+        </p:nvSpPr>
+        <p:spPr>
+          <a:xfrm>
+            <a:off x="885440" y="1597396"/>
+            <a:ext cx="4939048" cy="1076082"/>
+          </a:xfrm>
+        </p:spPr>
+        <p:txBody>
+          <a:bodyPr/>
+          <a:lstStyle/>
+          <a:p>
+            <a:r>
+              <a:rPr lang="en-US" dirty="0"/>
+              <a:t>Demo</a:t>
+            </a:r>
+          </a:p>
+        </p:txBody>
+      </p:sp>
+      <p:sp>
+        <p:nvSpPr>
+          <p:cNvPr id="5" name="Text Placeholder 4">
+            <a:extLst>
+              <a:ext uri="{FF2B5EF4-FFF2-40B4-BE49-F238E27FC236}">
+                <a16:creationId xmlns:a16="http://schemas.microsoft.com/office/drawing/2014/main" id="{0576D009-7706-E795-AFE9-8040254A2F0B}"/>
+              </a:ext>
+            </a:extLst>
+          </p:cNvPr>
+          <p:cNvSpPr>
+            <a:spLocks noGrp="1"/>
+          </p:cNvSpPr>
+          <p:nvPr>
+            <p:ph type="body" sz="quarter" idx="1"/>
+          </p:nvPr>
+        </p:nvSpPr>
+        <p:spPr>
+          <a:xfrm>
+            <a:off x="885440" y="2805606"/>
+            <a:ext cx="5031977" cy="1246787"/>
+          </a:xfrm>
+        </p:spPr>
+        <p:txBody>
+          <a:bodyPr/>
+          <a:lstStyle/>
+          <a:p>
+            <a:endParaRPr lang="en-US" dirty="0"/>
+          </a:p>
+        </p:txBody>
+      </p:sp>
+      <p:pic>
+        <p:nvPicPr>
+          <p:cNvPr id="2050" name="Picture 2">
+            <a:extLst>
+              <a:ext uri="{FF2B5EF4-FFF2-40B4-BE49-F238E27FC236}">
+                <a16:creationId xmlns:a16="http://schemas.microsoft.com/office/drawing/2014/main" id="{24645586-E409-E836-3D19-A701C967ABAE}"/>
+              </a:ext>
+            </a:extLst>
+          </p:cNvPr>
+          <p:cNvPicPr>
+            <a:picLocks noChangeAspect="1" noChangeArrowheads="1"/>
+          </p:cNvPicPr>
+          <p:nvPr/>
+        </p:nvPicPr>
+        <p:blipFill>
+          <a:blip r:embed="rId3">
+            <a:extLst>
+              <a:ext uri="{28A0092B-C50C-407E-A947-70E740481C1C}">
+                <a14:useLocalDpi xmlns:a14="http://schemas.microsoft.com/office/drawing/2010/main" val="0"/>
+              </a:ext>
+            </a:extLst>
+          </a:blip>
+          <a:srcRect/>
+          <a:stretch>
+            <a:fillRect/>
+          </a:stretch>
+        </p:blipFill>
+        <p:spPr bwMode="auto">
+          <a:xfrm>
+            <a:off x="5160320" y="1387603"/>
+            <a:ext cx="2571750" cy="2571750"/>
+          </a:xfrm>
+          <a:prstGeom prst="rect">
+            <a:avLst/>
+          </a:prstGeom>
+          <a:noFill/>
+          <a:extLst>
+            <a:ext uri="{909E8E84-426E-40DD-AFC4-6F175D3DCCD1}">
+              <a14:hiddenFill xmlns:a14="http://schemas.microsoft.com/office/drawing/2010/main">
+                <a:solidFill>
+                  <a:srgbClr val="FFFFFF"/>
+                </a:solidFill>
+              </a14:hiddenFill>
+            </a:ext>
+          </a:extLst>
+        </p:spPr>
+      </p:pic>
+    </p:spTree>
+    <p:extLst>
+      <p:ext uri="{BB962C8B-B14F-4D97-AF65-F5344CB8AC3E}">
+        <p14:creationId xmlns:p14="http://schemas.microsoft.com/office/powerpoint/2010/main" val="1066729268"/>
+      </p:ext>
+    </p:extLst>
+  </p:cSld>
+  <p:clrMapOvr>
+    <a:masterClrMapping/>
+  </p:clrMapOvr>
+  <p:transition spd="med"/>
+</p:sld>
+</file>
+
+<file path=ppt/slides/slide15.xml><?xml version="1.0" encoding="utf-8"?>
+<p:sld xmlns:a="http://schemas.openxmlformats.org/drawingml/2006/main" xmlns:r="http://schemas.openxmlformats.org/officeDocument/2006/relationships" xmlns:p="http://schemas.openxmlformats.org/presentationml/2006/main">
+  <p:cSld>
+    <p:spTree>
+      <p:nvGrpSpPr>
+        <p:cNvPr id="1" name=""/>
+        <p:cNvGrpSpPr/>
+        <p:nvPr/>
+      </p:nvGrpSpPr>
+      <p:grpSpPr>
+        <a:xfrm>
+          <a:off x="0" y="0"/>
+          <a:ext cx="0" cy="0"/>
+          <a:chOff x="0" y="0"/>
+          <a:chExt cx="0" cy="0"/>
+        </a:xfrm>
+      </p:grpSpPr>
+      <p:sp>
+        <p:nvSpPr>
+          <p:cNvPr id="2" name="Title 1">
+            <a:extLst>
+              <a:ext uri="{FF2B5EF4-FFF2-40B4-BE49-F238E27FC236}">
+                <a16:creationId xmlns:a16="http://schemas.microsoft.com/office/drawing/2014/main" id="{79EE08F3-5D90-4DF6-96DA-31714BCF32BF}"/>
+              </a:ext>
+            </a:extLst>
+          </p:cNvPr>
+          <p:cNvSpPr>
+            <a:spLocks noGrp="1"/>
+          </p:cNvSpPr>
+          <p:nvPr>
+            <p:ph type="title"/>
+          </p:nvPr>
+        </p:nvSpPr>
+        <p:spPr/>
+        <p:txBody>
+          <a:bodyPr/>
+          <a:lstStyle/>
+          <a:p>
+            <a:r>
+              <a:rPr lang="en-US" dirty="0"/>
+              <a:t>Q &amp; A</a:t>
+            </a:r>
+          </a:p>
+        </p:txBody>
+      </p:sp>
+      <p:sp>
+        <p:nvSpPr>
+          <p:cNvPr id="3" name="Text Placeholder 2">
+            <a:extLst>
+              <a:ext uri="{FF2B5EF4-FFF2-40B4-BE49-F238E27FC236}">
+                <a16:creationId xmlns:a16="http://schemas.microsoft.com/office/drawing/2014/main" id="{1D1EDDDB-BF45-4C61-823B-9FB45ED6F51F}"/>
+              </a:ext>
+            </a:extLst>
+          </p:cNvPr>
+          <p:cNvSpPr>
+            <a:spLocks noGrp="1"/>
+          </p:cNvSpPr>
+          <p:nvPr>
+            <p:ph type="body" sz="half" idx="1"/>
+          </p:nvPr>
+        </p:nvSpPr>
+        <p:spPr/>
+        <p:txBody>
+          <a:bodyPr/>
+          <a:lstStyle/>
+          <a:p>
+            <a:endParaRPr lang="en-US"/>
+          </a:p>
+        </p:txBody>
+      </p:sp>
+    </p:spTree>
+    <p:extLst>
+      <p:ext uri="{BB962C8B-B14F-4D97-AF65-F5344CB8AC3E}">
+        <p14:creationId xmlns:p14="http://schemas.microsoft.com/office/powerpoint/2010/main" val="2873828072"/>
+      </p:ext>
+    </p:extLst>
+  </p:cSld>
+  <p:clrMapOvr>
+    <a:masterClrMapping/>
+  </p:clrMapOvr>
+  <p:transition spd="med"/>
+</p:sld>
+</file>
+
+<file path=ppt/slides/slide16.xml><?xml version="1.0" encoding="utf-8"?>
+<p:sld xmlns:a="http://schemas.openxmlformats.org/drawingml/2006/main" xmlns:r="http://schemas.openxmlformats.org/officeDocument/2006/relationships" xmlns:p="http://schemas.openxmlformats.org/presentationml/2006/main">
+  <p:cSld>
+    <p:spTree>
+      <p:nvGrpSpPr>
+        <p:cNvPr id="1" name=""/>
+        <p:cNvGrpSpPr/>
+        <p:nvPr/>
+      </p:nvGrpSpPr>
+      <p:grpSpPr>
+        <a:xfrm>
+          <a:off x="0" y="0"/>
+          <a:ext cx="0" cy="0"/>
+          <a:chOff x="0" y="0"/>
+          <a:chExt cx="0" cy="0"/>
+        </a:xfrm>
+      </p:grpSpPr>
+      <p:sp>
+        <p:nvSpPr>
+          <p:cNvPr id="2" name="Title 1">
+            <a:extLst>
+              <a:ext uri="{FF2B5EF4-FFF2-40B4-BE49-F238E27FC236}">
+                <a16:creationId xmlns:a16="http://schemas.microsoft.com/office/drawing/2014/main" id="{79EE08F3-5D90-4DF6-96DA-31714BCF32BF}"/>
+              </a:ext>
+            </a:extLst>
+          </p:cNvPr>
+          <p:cNvSpPr>
+            <a:spLocks noGrp="1"/>
+          </p:cNvSpPr>
+          <p:nvPr>
+            <p:ph type="title"/>
+          </p:nvPr>
+        </p:nvSpPr>
+        <p:spPr/>
+        <p:txBody>
+          <a:bodyPr/>
+          <a:lstStyle/>
+          <a:p>
+            <a:r>
+              <a:rPr lang="en-US" dirty="0"/>
+              <a:t>Thank you</a:t>
+            </a:r>
+          </a:p>
+        </p:txBody>
+      </p:sp>
+      <p:sp>
+        <p:nvSpPr>
+          <p:cNvPr id="3" name="Text Placeholder 2">
+            <a:extLst>
+              <a:ext uri="{FF2B5EF4-FFF2-40B4-BE49-F238E27FC236}">
+                <a16:creationId xmlns:a16="http://schemas.microsoft.com/office/drawing/2014/main" id="{1D1EDDDB-BF45-4C61-823B-9FB45ED6F51F}"/>
+              </a:ext>
+            </a:extLst>
+          </p:cNvPr>
+          <p:cNvSpPr>
+            <a:spLocks noGrp="1"/>
+          </p:cNvSpPr>
+          <p:nvPr>
+            <p:ph type="body" sz="half" idx="1"/>
+          </p:nvPr>
+        </p:nvSpPr>
+        <p:spPr/>
+        <p:txBody>
+          <a:bodyPr/>
+          <a:lstStyle/>
+          <a:p>
+            <a:endParaRPr lang="en-US"/>
+          </a:p>
+        </p:txBody>
+      </p:sp>
+    </p:spTree>
+    <p:extLst>
+      <p:ext uri="{BB962C8B-B14F-4D97-AF65-F5344CB8AC3E}">
+        <p14:creationId xmlns:p14="http://schemas.microsoft.com/office/powerpoint/2010/main" val="2384320704"/>
+      </p:ext>
+    </p:extLst>
+  </p:cSld>
+  <p:clrMapOvr>
+    <a:masterClrMapping/>
+  </p:clrMapOvr>
+  <p:transition spd="med"/>
+</p:sld>
+</file>
+
 <file path=ppt/slides/slide2.xml><?xml version="1.0" encoding="utf-8"?>
 <p:sld xmlns:a="http://schemas.openxmlformats.org/drawingml/2006/main" xmlns:r="http://schemas.openxmlformats.org/officeDocument/2006/relationships" xmlns:p="http://schemas.openxmlformats.org/presentationml/2006/main">
   <p:cSld>
@@ -3826,6 +5603,20 @@
             <a:pPr lvl="1"/>
             <a:r>
               <a:rPr lang="en-US" dirty="0"/>
+              <a:t>Full reference - </a:t>
+            </a:r>
+            <a:r>
+              <a:rPr lang="en-US" dirty="0" err="1">
+                <a:hlinkClick r:id="rId2"/>
+              </a:rPr>
+              <a:t>Mix.Tasks.Phx.New</a:t>
+            </a:r>
+            <a:endParaRPr lang="en-US" dirty="0"/>
+          </a:p>
+          <a:p>
+            <a:pPr lvl="1"/>
+            <a:r>
+              <a:rPr lang="en-US" dirty="0"/>
               <a:t>Example for a REST API:</a:t>
             </a:r>
           </a:p>
@@ -3951,8 +5742,8 @@
         </p:nvSpPr>
         <p:spPr>
           <a:xfrm>
-            <a:off x="1194816" y="4718305"/>
-            <a:ext cx="7144512" cy="444220"/>
+            <a:off x="1194816" y="5148073"/>
+            <a:ext cx="7053072" cy="444220"/>
           </a:xfrm>
           <a:prstGeom prst="rect">
             <a:avLst/>
@@ -4076,6 +5867,706 @@
 </file>
 
 <file path=ppt/slides/slide5.xml><?xml version="1.0" encoding="utf-8"?>
+<p:sld xmlns:a="http://schemas.openxmlformats.org/drawingml/2006/main" xmlns:r="http://schemas.openxmlformats.org/officeDocument/2006/relationships" xmlns:p="http://schemas.openxmlformats.org/presentationml/2006/main">
+  <p:cSld>
+    <p:spTree>
+      <p:nvGrpSpPr>
+        <p:cNvPr id="1" name=""/>
+        <p:cNvGrpSpPr/>
+        <p:nvPr/>
+      </p:nvGrpSpPr>
+      <p:grpSpPr>
+        <a:xfrm>
+          <a:off x="0" y="0"/>
+          <a:ext cx="0" cy="0"/>
+          <a:chOff x="0" y="0"/>
+          <a:chExt cx="0" cy="0"/>
+        </a:xfrm>
+      </p:grpSpPr>
+      <p:sp>
+        <p:nvSpPr>
+          <p:cNvPr id="2" name="Title 1">
+            <a:extLst>
+              <a:ext uri="{FF2B5EF4-FFF2-40B4-BE49-F238E27FC236}">
+                <a16:creationId xmlns:a16="http://schemas.microsoft.com/office/drawing/2014/main" id="{31E38DC5-8DD4-A386-303D-33BC4BF54450}"/>
+              </a:ext>
+            </a:extLst>
+          </p:cNvPr>
+          <p:cNvSpPr>
+            <a:spLocks noGrp="1"/>
+          </p:cNvSpPr>
+          <p:nvPr>
+            <p:ph type="title"/>
+          </p:nvPr>
+        </p:nvSpPr>
+        <p:spPr/>
+        <p:txBody>
+          <a:bodyPr/>
+          <a:lstStyle/>
+          <a:p>
+            <a:r>
+              <a:rPr lang="en-US" dirty="0"/>
+              <a:t>Plugs</a:t>
+            </a:r>
+            <a:endParaRPr lang="bg-BG" dirty="0"/>
+          </a:p>
+        </p:txBody>
+      </p:sp>
+      <p:sp>
+        <p:nvSpPr>
+          <p:cNvPr id="3" name="Text Placeholder 2">
+            <a:extLst>
+              <a:ext uri="{FF2B5EF4-FFF2-40B4-BE49-F238E27FC236}">
+                <a16:creationId xmlns:a16="http://schemas.microsoft.com/office/drawing/2014/main" id="{5F0EBCC9-0181-1CDC-E6C2-27AEB3C56ED8}"/>
+              </a:ext>
+            </a:extLst>
+          </p:cNvPr>
+          <p:cNvSpPr>
+            <a:spLocks noGrp="1"/>
+          </p:cNvSpPr>
+          <p:nvPr>
+            <p:ph type="body" idx="1"/>
+          </p:nvPr>
+        </p:nvSpPr>
+        <p:spPr/>
+        <p:txBody>
+          <a:bodyPr/>
+          <a:lstStyle/>
+          <a:p>
+            <a:pPr lvl="1"/>
+            <a:r>
+              <a:rPr lang="en-US" dirty="0"/>
+              <a:t>Modules/functions that operate on connections</a:t>
+            </a:r>
+          </a:p>
+          <a:p>
+            <a:pPr lvl="1"/>
+            <a:endParaRPr lang="bg-BG" dirty="0"/>
+          </a:p>
+          <a:p>
+            <a:pPr lvl="1"/>
+            <a:r>
+              <a:rPr lang="en-US" dirty="0"/>
+              <a:t>Similar to </a:t>
+            </a:r>
+            <a:r>
+              <a:rPr lang="en-US" dirty="0" err="1"/>
+              <a:t>middlewares</a:t>
+            </a:r>
+            <a:r>
+              <a:rPr lang="en-US" dirty="0"/>
+              <a:t> in other frameworks</a:t>
+            </a:r>
+          </a:p>
+          <a:p>
+            <a:pPr lvl="1"/>
+            <a:endParaRPr lang="en-US" dirty="0"/>
+          </a:p>
+          <a:p>
+            <a:pPr lvl="1"/>
+            <a:r>
+              <a:rPr lang="en-US" dirty="0"/>
+              <a:t>Some example usages</a:t>
+            </a:r>
+          </a:p>
+          <a:p>
+            <a:pPr lvl="2"/>
+            <a:r>
+              <a:rPr lang="en-US" dirty="0"/>
+              <a:t>Logging/telemetry</a:t>
+            </a:r>
+          </a:p>
+          <a:p>
+            <a:pPr lvl="2"/>
+            <a:r>
+              <a:rPr lang="en-US" dirty="0"/>
+              <a:t>Authentication</a:t>
+            </a:r>
+          </a:p>
+          <a:p>
+            <a:pPr lvl="2"/>
+            <a:r>
+              <a:rPr lang="en-US" dirty="0"/>
+              <a:t>Keeping state (session)</a:t>
+            </a:r>
+          </a:p>
+          <a:p>
+            <a:pPr lvl="2"/>
+            <a:r>
+              <a:rPr lang="en-US" dirty="0"/>
+              <a:t>Parsing/formatting content (e.g. </a:t>
+            </a:r>
+            <a:r>
+              <a:rPr lang="en-US" dirty="0" err="1"/>
+              <a:t>json</a:t>
+            </a:r>
+            <a:r>
+              <a:rPr lang="en-US" dirty="0"/>
+              <a:t>)</a:t>
+            </a:r>
+          </a:p>
+        </p:txBody>
+      </p:sp>
+    </p:spTree>
+    <p:extLst>
+      <p:ext uri="{BB962C8B-B14F-4D97-AF65-F5344CB8AC3E}">
+        <p14:creationId xmlns:p14="http://schemas.microsoft.com/office/powerpoint/2010/main" val="375147868"/>
+      </p:ext>
+    </p:extLst>
+  </p:cSld>
+  <p:clrMapOvr>
+    <a:masterClrMapping/>
+  </p:clrMapOvr>
+  <p:transition spd="med"/>
+</p:sld>
+</file>
+
+<file path=ppt/slides/slide6.xml><?xml version="1.0" encoding="utf-8"?>
+<p:sld xmlns:a="http://schemas.openxmlformats.org/drawingml/2006/main" xmlns:r="http://schemas.openxmlformats.org/officeDocument/2006/relationships" xmlns:p="http://schemas.openxmlformats.org/presentationml/2006/main">
+  <p:cSld>
+    <p:spTree>
+      <p:nvGrpSpPr>
+        <p:cNvPr id="1" name=""/>
+        <p:cNvGrpSpPr/>
+        <p:nvPr/>
+      </p:nvGrpSpPr>
+      <p:grpSpPr>
+        <a:xfrm>
+          <a:off x="0" y="0"/>
+          <a:ext cx="0" cy="0"/>
+          <a:chOff x="0" y="0"/>
+          <a:chExt cx="0" cy="0"/>
+        </a:xfrm>
+      </p:grpSpPr>
+      <p:sp>
+        <p:nvSpPr>
+          <p:cNvPr id="2" name="Title 1">
+            <a:extLst>
+              <a:ext uri="{FF2B5EF4-FFF2-40B4-BE49-F238E27FC236}">
+                <a16:creationId xmlns:a16="http://schemas.microsoft.com/office/drawing/2014/main" id="{31E38DC5-8DD4-A386-303D-33BC4BF54450}"/>
+              </a:ext>
+            </a:extLst>
+          </p:cNvPr>
+          <p:cNvSpPr>
+            <a:spLocks noGrp="1"/>
+          </p:cNvSpPr>
+          <p:nvPr>
+            <p:ph type="title"/>
+          </p:nvPr>
+        </p:nvSpPr>
+        <p:spPr/>
+        <p:txBody>
+          <a:bodyPr/>
+          <a:lstStyle/>
+          <a:p>
+            <a:r>
+              <a:rPr lang="en-US" dirty="0"/>
+              <a:t>Routing</a:t>
+            </a:r>
+            <a:endParaRPr lang="bg-BG" dirty="0"/>
+          </a:p>
+        </p:txBody>
+      </p:sp>
+      <p:sp>
+        <p:nvSpPr>
+          <p:cNvPr id="3" name="Text Placeholder 2">
+            <a:extLst>
+              <a:ext uri="{FF2B5EF4-FFF2-40B4-BE49-F238E27FC236}">
+                <a16:creationId xmlns:a16="http://schemas.microsoft.com/office/drawing/2014/main" id="{5F0EBCC9-0181-1CDC-E6C2-27AEB3C56ED8}"/>
+              </a:ext>
+            </a:extLst>
+          </p:cNvPr>
+          <p:cNvSpPr>
+            <a:spLocks noGrp="1"/>
+          </p:cNvSpPr>
+          <p:nvPr>
+            <p:ph type="body" idx="1"/>
+          </p:nvPr>
+        </p:nvSpPr>
+        <p:spPr/>
+        <p:txBody>
+          <a:bodyPr/>
+          <a:lstStyle/>
+          <a:p>
+            <a:pPr lvl="1"/>
+            <a:r>
+              <a:rPr lang="en-US" dirty="0"/>
+              <a:t>Special router modules are used for matching HTTP requests to controller actions</a:t>
+            </a:r>
+          </a:p>
+          <a:p>
+            <a:pPr lvl="1"/>
+            <a:endParaRPr lang="en-US" dirty="0"/>
+          </a:p>
+          <a:p>
+            <a:pPr lvl="1"/>
+            <a:r>
+              <a:rPr lang="en-US" dirty="0"/>
+              <a:t>Routes can be grouped into several scopes</a:t>
+            </a:r>
+          </a:p>
+          <a:p>
+            <a:pPr lvl="2"/>
+            <a:r>
+              <a:rPr lang="en-US" dirty="0"/>
+              <a:t>E.g. </a:t>
+            </a:r>
+            <a:r>
+              <a:rPr lang="en-US" i="1" dirty="0"/>
+              <a:t>/</a:t>
+            </a:r>
+            <a:r>
+              <a:rPr lang="en-US" i="1" dirty="0" err="1"/>
+              <a:t>api</a:t>
+            </a:r>
+            <a:r>
+              <a:rPr lang="en-US" i="1" dirty="0"/>
+              <a:t> </a:t>
+            </a:r>
+            <a:r>
+              <a:rPr lang="en-US" dirty="0"/>
+              <a:t>scope for REST endpoints, </a:t>
+            </a:r>
+            <a:r>
+              <a:rPr lang="en-US" i="1" dirty="0"/>
+              <a:t>/admin</a:t>
+            </a:r>
+            <a:r>
+              <a:rPr lang="en-US" dirty="0"/>
+              <a:t> for admin panel pages</a:t>
+            </a:r>
+          </a:p>
+          <a:p>
+            <a:pPr lvl="1"/>
+            <a:r>
+              <a:rPr lang="en-US" dirty="0"/>
+              <a:t>Common behavior can be defined with pipelines</a:t>
+            </a:r>
+          </a:p>
+          <a:p>
+            <a:pPr lvl="2"/>
+            <a:r>
+              <a:rPr lang="en-US" dirty="0"/>
+              <a:t>A pipeline is a series of plugs applied sequentially</a:t>
+            </a:r>
+          </a:p>
+          <a:p>
+            <a:pPr lvl="2"/>
+            <a:endParaRPr lang="en-US" dirty="0"/>
+          </a:p>
+          <a:p>
+            <a:pPr lvl="1"/>
+            <a:r>
+              <a:rPr lang="en-US" dirty="0"/>
+              <a:t>The application routes can be examined by running</a:t>
+            </a:r>
+          </a:p>
+        </p:txBody>
+      </p:sp>
+      <p:sp>
+        <p:nvSpPr>
+          <p:cNvPr id="4" name="Rectangle 3">
+            <a:extLst>
+              <a:ext uri="{FF2B5EF4-FFF2-40B4-BE49-F238E27FC236}">
+                <a16:creationId xmlns:a16="http://schemas.microsoft.com/office/drawing/2014/main" id="{F572F31B-B96A-0CA9-0073-4743D54EA22F}"/>
+              </a:ext>
+            </a:extLst>
+          </p:cNvPr>
+          <p:cNvSpPr/>
+          <p:nvPr/>
+        </p:nvSpPr>
+        <p:spPr>
+          <a:xfrm>
+            <a:off x="1624584" y="5417215"/>
+            <a:ext cx="4901184" cy="444220"/>
+          </a:xfrm>
+          <a:prstGeom prst="rect">
+            <a:avLst/>
+          </a:prstGeom>
+          <a:solidFill>
+            <a:srgbClr val="F9F9F9"/>
+          </a:solidFill>
+          <a:ln w="25400" cap="flat">
+            <a:solidFill>
+              <a:schemeClr val="accent1"/>
+            </a:solidFill>
+            <a:prstDash val="solid"/>
+            <a:round/>
+          </a:ln>
+          <a:effectLst/>
+          <a:sp3d/>
+        </p:spPr>
+        <p:style>
+          <a:lnRef idx="0">
+            <a:scrgbClr r="0" g="0" b="0"/>
+          </a:lnRef>
+          <a:fillRef idx="0">
+            <a:scrgbClr r="0" g="0" b="0"/>
+          </a:fillRef>
+          <a:effectRef idx="0">
+            <a:scrgbClr r="0" g="0" b="0"/>
+          </a:effectRef>
+          <a:fontRef idx="none"/>
+        </p:style>
+        <p:txBody>
+          <a:bodyPr rot="0" spcFirstLastPara="1" vertOverflow="overflow" horzOverflow="overflow" vert="horz" wrap="square" lIns="45718" tIns="45718" rIns="45718" bIns="45718" numCol="1" spcCol="38100" rtlCol="0" anchor="ctr">
+            <a:spAutoFit/>
+          </a:bodyPr>
+          <a:lstStyle/>
+          <a:p>
+            <a:r>
+              <a:rPr lang="en-US" sz="1800" dirty="0">
+                <a:solidFill>
+                  <a:srgbClr val="24292E"/>
+                </a:solidFill>
+                <a:highlight>
+                  <a:srgbClr val="F9F9F9"/>
+                </a:highlight>
+                <a:latin typeface="Cascadia Code" panose="020B0609020000020004" pitchFamily="49" charset="0"/>
+              </a:rPr>
+              <a:t>$ m</a:t>
+            </a:r>
+            <a:r>
+              <a:rPr lang="en-US" sz="1800" b="0" dirty="0">
+                <a:solidFill>
+                  <a:srgbClr val="24292E"/>
+                </a:solidFill>
+                <a:effectLst/>
+                <a:highlight>
+                  <a:srgbClr val="F9F9F9"/>
+                </a:highlight>
+                <a:latin typeface="Cascadia Code" panose="020B0609020000020004" pitchFamily="49" charset="0"/>
+              </a:rPr>
+              <a:t>ix </a:t>
+            </a:r>
+            <a:r>
+              <a:rPr lang="en-US" sz="1800" dirty="0" err="1">
+                <a:solidFill>
+                  <a:srgbClr val="24292E"/>
+                </a:solidFill>
+                <a:highlight>
+                  <a:srgbClr val="F9F9F9"/>
+                </a:highlight>
+                <a:latin typeface="Cascadia Code" panose="020B0609020000020004" pitchFamily="49" charset="0"/>
+              </a:rPr>
+              <a:t>phx.routes</a:t>
+            </a:r>
+            <a:endParaRPr lang="en-US" sz="1800" b="0" dirty="0">
+              <a:solidFill>
+                <a:srgbClr val="24292E"/>
+              </a:solidFill>
+              <a:effectLst/>
+              <a:highlight>
+                <a:srgbClr val="F9F9F9"/>
+              </a:highlight>
+              <a:latin typeface="Cascadia Code" panose="020B0609020000020004" pitchFamily="49" charset="0"/>
+            </a:endParaRPr>
+          </a:p>
+        </p:txBody>
+      </p:sp>
+    </p:spTree>
+    <p:extLst>
+      <p:ext uri="{BB962C8B-B14F-4D97-AF65-F5344CB8AC3E}">
+        <p14:creationId xmlns:p14="http://schemas.microsoft.com/office/powerpoint/2010/main" val="86894151"/>
+      </p:ext>
+    </p:extLst>
+  </p:cSld>
+  <p:clrMapOvr>
+    <a:masterClrMapping/>
+  </p:clrMapOvr>
+  <p:transition spd="med"/>
+</p:sld>
+</file>
+
+<file path=ppt/slides/slide7.xml><?xml version="1.0" encoding="utf-8"?>
+<p:sld xmlns:a="http://schemas.openxmlformats.org/drawingml/2006/main" xmlns:r="http://schemas.openxmlformats.org/officeDocument/2006/relationships" xmlns:p="http://schemas.openxmlformats.org/presentationml/2006/main">
+  <p:cSld>
+    <p:spTree>
+      <p:nvGrpSpPr>
+        <p:cNvPr id="1" name=""/>
+        <p:cNvGrpSpPr/>
+        <p:nvPr/>
+      </p:nvGrpSpPr>
+      <p:grpSpPr>
+        <a:xfrm>
+          <a:off x="0" y="0"/>
+          <a:ext cx="0" cy="0"/>
+          <a:chOff x="0" y="0"/>
+          <a:chExt cx="0" cy="0"/>
+        </a:xfrm>
+      </p:grpSpPr>
+      <p:sp>
+        <p:nvSpPr>
+          <p:cNvPr id="2" name="Title 1">
+            <a:extLst>
+              <a:ext uri="{FF2B5EF4-FFF2-40B4-BE49-F238E27FC236}">
+                <a16:creationId xmlns:a16="http://schemas.microsoft.com/office/drawing/2014/main" id="{099AD123-AC4B-96DD-2F22-F88813EEF539}"/>
+              </a:ext>
+            </a:extLst>
+          </p:cNvPr>
+          <p:cNvSpPr>
+            <a:spLocks noGrp="1"/>
+          </p:cNvSpPr>
+          <p:nvPr>
+            <p:ph type="title"/>
+          </p:nvPr>
+        </p:nvSpPr>
+        <p:spPr/>
+        <p:txBody>
+          <a:bodyPr/>
+          <a:lstStyle/>
+          <a:p>
+            <a:r>
+              <a:rPr lang="en-US" dirty="0"/>
+              <a:t>Controllers</a:t>
+            </a:r>
+            <a:endParaRPr lang="bg-BG" dirty="0"/>
+          </a:p>
+        </p:txBody>
+      </p:sp>
+      <p:sp>
+        <p:nvSpPr>
+          <p:cNvPr id="3" name="Text Placeholder 2">
+            <a:extLst>
+              <a:ext uri="{FF2B5EF4-FFF2-40B4-BE49-F238E27FC236}">
+                <a16:creationId xmlns:a16="http://schemas.microsoft.com/office/drawing/2014/main" id="{B28AACE2-20A6-D0E1-0380-303EE9C74A55}"/>
+              </a:ext>
+            </a:extLst>
+          </p:cNvPr>
+          <p:cNvSpPr>
+            <a:spLocks noGrp="1"/>
+          </p:cNvSpPr>
+          <p:nvPr>
+            <p:ph type="body" idx="1"/>
+          </p:nvPr>
+        </p:nvSpPr>
+        <p:spPr/>
+        <p:txBody>
+          <a:bodyPr/>
+          <a:lstStyle/>
+          <a:p>
+            <a:r>
+              <a:rPr lang="en-US" dirty="0"/>
+              <a:t>Controller modules define actions, which are triggered in response to HTTP requests</a:t>
+            </a:r>
+          </a:p>
+          <a:p>
+            <a:r>
+              <a:rPr lang="en-US" dirty="0"/>
+              <a:t>Each action is a simple function that accepts two parameters</a:t>
+            </a:r>
+          </a:p>
+          <a:p>
+            <a:pPr lvl="1"/>
+            <a:r>
+              <a:rPr lang="en-US" dirty="0"/>
+              <a:t>conn – contains information about the HTTP request (host, headers, session etc.)</a:t>
+            </a:r>
+          </a:p>
+          <a:p>
+            <a:pPr lvl="1"/>
+            <a:r>
+              <a:rPr lang="en-US" dirty="0"/>
+              <a:t>params – holds the query/path parameters passed to the request</a:t>
+            </a:r>
+          </a:p>
+          <a:p>
+            <a:r>
+              <a:rPr lang="en-US" dirty="0"/>
+              <a:t>The actions returns an object of type </a:t>
+            </a:r>
+            <a:r>
+              <a:rPr lang="en-US" dirty="0" err="1"/>
+              <a:t>Plug.Conn</a:t>
+            </a:r>
+            <a:endParaRPr lang="en-US" dirty="0"/>
+          </a:p>
+          <a:p>
+            <a:r>
+              <a:rPr lang="en-US" dirty="0"/>
+              <a:t>There are helper functions that can be used for formatting the response</a:t>
+            </a:r>
+          </a:p>
+          <a:p>
+            <a:pPr lvl="1"/>
+            <a:r>
+              <a:rPr lang="en-US" dirty="0"/>
+              <a:t>Each of them accepts the connection as the first parameter</a:t>
+            </a:r>
+          </a:p>
+        </p:txBody>
+      </p:sp>
+    </p:spTree>
+    <p:extLst>
+      <p:ext uri="{BB962C8B-B14F-4D97-AF65-F5344CB8AC3E}">
+        <p14:creationId xmlns:p14="http://schemas.microsoft.com/office/powerpoint/2010/main" val="1099343357"/>
+      </p:ext>
+    </p:extLst>
+  </p:cSld>
+  <p:clrMapOvr>
+    <a:masterClrMapping/>
+  </p:clrMapOvr>
+  <p:transition spd="med"/>
+</p:sld>
+</file>
+
+<file path=ppt/slides/slide8.xml><?xml version="1.0" encoding="utf-8"?>
+<p:sld xmlns:a="http://schemas.openxmlformats.org/drawingml/2006/main" xmlns:r="http://schemas.openxmlformats.org/officeDocument/2006/relationships" xmlns:p="http://schemas.openxmlformats.org/presentationml/2006/main">
+  <p:cSld>
+    <p:spTree>
+      <p:nvGrpSpPr>
+        <p:cNvPr id="1" name=""/>
+        <p:cNvGrpSpPr/>
+        <p:nvPr/>
+      </p:nvGrpSpPr>
+      <p:grpSpPr>
+        <a:xfrm>
+          <a:off x="0" y="0"/>
+          <a:ext cx="0" cy="0"/>
+          <a:chOff x="0" y="0"/>
+          <a:chExt cx="0" cy="0"/>
+        </a:xfrm>
+      </p:grpSpPr>
+      <p:sp>
+        <p:nvSpPr>
+          <p:cNvPr id="2" name="Title 1">
+            <a:extLst>
+              <a:ext uri="{FF2B5EF4-FFF2-40B4-BE49-F238E27FC236}">
+                <a16:creationId xmlns:a16="http://schemas.microsoft.com/office/drawing/2014/main" id="{3D42B6E1-609B-A35E-5287-88100B2582F8}"/>
+              </a:ext>
+            </a:extLst>
+          </p:cNvPr>
+          <p:cNvSpPr>
+            <a:spLocks noGrp="1"/>
+          </p:cNvSpPr>
+          <p:nvPr>
+            <p:ph type="title"/>
+          </p:nvPr>
+        </p:nvSpPr>
+        <p:spPr/>
+        <p:txBody>
+          <a:bodyPr/>
+          <a:lstStyle/>
+          <a:p>
+            <a:r>
+              <a:rPr lang="en-US" dirty="0" err="1"/>
+              <a:t>Controlelr</a:t>
+            </a:r>
+            <a:r>
+              <a:rPr lang="en-US" dirty="0"/>
+              <a:t> Helper Functions</a:t>
+            </a:r>
+            <a:endParaRPr lang="bg-BG" dirty="0"/>
+          </a:p>
+        </p:txBody>
+      </p:sp>
+      <p:sp>
+        <p:nvSpPr>
+          <p:cNvPr id="3" name="Text Placeholder 2">
+            <a:extLst>
+              <a:ext uri="{FF2B5EF4-FFF2-40B4-BE49-F238E27FC236}">
+                <a16:creationId xmlns:a16="http://schemas.microsoft.com/office/drawing/2014/main" id="{D97EBA60-E349-550F-12E4-43706253AE70}"/>
+              </a:ext>
+            </a:extLst>
+          </p:cNvPr>
+          <p:cNvSpPr>
+            <a:spLocks noGrp="1"/>
+          </p:cNvSpPr>
+          <p:nvPr>
+            <p:ph type="body" idx="1"/>
+          </p:nvPr>
+        </p:nvSpPr>
+        <p:spPr/>
+        <p:txBody>
+          <a:bodyPr/>
+          <a:lstStyle/>
+          <a:p>
+            <a:r>
+              <a:rPr lang="en-US" dirty="0"/>
+              <a:t>text/2 – returns the data as plain text</a:t>
+            </a:r>
+          </a:p>
+          <a:p>
+            <a:r>
+              <a:rPr lang="en-US" dirty="0" err="1"/>
+              <a:t>json</a:t>
+            </a:r>
+            <a:r>
+              <a:rPr lang="en-US" dirty="0"/>
+              <a:t>/2 – returns the data in JSON format</a:t>
+            </a:r>
+          </a:p>
+          <a:p>
+            <a:r>
+              <a:rPr lang="en-US" dirty="0"/>
+              <a:t>html/2 – renders HTML</a:t>
+            </a:r>
+            <a:r>
+              <a:rPr lang="bg-BG" dirty="0"/>
+              <a:t> </a:t>
+            </a:r>
+            <a:r>
+              <a:rPr lang="en-US" dirty="0"/>
+              <a:t>content</a:t>
+            </a:r>
+          </a:p>
+          <a:p>
+            <a:r>
+              <a:rPr lang="en-US" dirty="0"/>
+              <a:t>render/3 – renders a HTML template, along with some data</a:t>
+            </a:r>
+          </a:p>
+          <a:p>
+            <a:r>
+              <a:rPr lang="en-US" dirty="0" err="1"/>
+              <a:t>send_resp</a:t>
+            </a:r>
+            <a:r>
+              <a:rPr lang="en-US" dirty="0"/>
+              <a:t>/3 – return a raw response, with a status code and content</a:t>
+            </a:r>
+          </a:p>
+          <a:p>
+            <a:r>
+              <a:rPr lang="en-US" dirty="0"/>
+              <a:t>redirect/2 – redirect to an action/external URL</a:t>
+            </a:r>
+          </a:p>
+          <a:p>
+            <a:r>
+              <a:rPr lang="en-US" dirty="0">
+                <a:hlinkClick r:id="rId2"/>
+              </a:rPr>
+              <a:t>Phoenix controller functions reference</a:t>
+            </a:r>
+            <a:endParaRPr lang="en-US" dirty="0"/>
+          </a:p>
+          <a:p>
+            <a:r>
+              <a:rPr lang="en-US" dirty="0">
+                <a:hlinkClick r:id="rId3"/>
+              </a:rPr>
+              <a:t>Plug.Conn functions reference</a:t>
+            </a:r>
+            <a:endParaRPr lang="bg-BG" dirty="0"/>
+          </a:p>
+        </p:txBody>
+      </p:sp>
+    </p:spTree>
+    <p:extLst>
+      <p:ext uri="{BB962C8B-B14F-4D97-AF65-F5344CB8AC3E}">
+        <p14:creationId xmlns:p14="http://schemas.microsoft.com/office/powerpoint/2010/main" val="4178307073"/>
+      </p:ext>
+    </p:extLst>
+  </p:cSld>
+  <p:clrMapOvr>
+    <a:masterClrMapping/>
+  </p:clrMapOvr>
+  <p:transition spd="med"/>
+</p:sld>
+</file>
+
+<file path=ppt/slides/slide9.xml><?xml version="1.0" encoding="utf-8"?>
 <p:sld xmlns:a="http://schemas.openxmlformats.org/drawingml/2006/main" xmlns:r="http://schemas.openxmlformats.org/officeDocument/2006/relationships" xmlns:p="http://schemas.openxmlformats.org/presentationml/2006/main">
   <p:cSld>
     <p:spTree>
@@ -4206,174 +6697,6 @@
     <p:extLst>
       <p:ext uri="{BB962C8B-B14F-4D97-AF65-F5344CB8AC3E}">
         <p14:creationId xmlns:p14="http://schemas.microsoft.com/office/powerpoint/2010/main" val="3157870146"/>
-      </p:ext>
-    </p:extLst>
-  </p:cSld>
-  <p:clrMapOvr>
-    <a:masterClrMapping/>
-  </p:clrMapOvr>
-  <p:transition spd="med"/>
-</p:sld>
-</file>
-
-<file path=ppt/slides/slide6.xml><?xml version="1.0" encoding="utf-8"?>
-<p:sld xmlns:a="http://schemas.openxmlformats.org/drawingml/2006/main" xmlns:r="http://schemas.openxmlformats.org/officeDocument/2006/relationships" xmlns:p="http://schemas.openxmlformats.org/presentationml/2006/main">
-  <p:cSld>
-    <p:spTree>
-      <p:nvGrpSpPr>
-        <p:cNvPr id="1" name=""/>
-        <p:cNvGrpSpPr/>
-        <p:nvPr/>
-      </p:nvGrpSpPr>
-      <p:grpSpPr>
-        <a:xfrm>
-          <a:off x="0" y="0"/>
-          <a:ext cx="0" cy="0"/>
-          <a:chOff x="0" y="0"/>
-          <a:chExt cx="0" cy="0"/>
-        </a:xfrm>
-      </p:grpSpPr>
-      <p:sp>
-        <p:nvSpPr>
-          <p:cNvPr id="2" name="Title 1">
-            <a:extLst>
-              <a:ext uri="{FF2B5EF4-FFF2-40B4-BE49-F238E27FC236}">
-                <a16:creationId xmlns:a16="http://schemas.microsoft.com/office/drawing/2014/main" id="{79EE08F3-5D90-4DF6-96DA-31714BCF32BF}"/>
-              </a:ext>
-            </a:extLst>
-          </p:cNvPr>
-          <p:cNvSpPr>
-            <a:spLocks noGrp="1"/>
-          </p:cNvSpPr>
-          <p:nvPr>
-            <p:ph type="title"/>
-          </p:nvPr>
-        </p:nvSpPr>
-        <p:spPr/>
-        <p:txBody>
-          <a:bodyPr/>
-          <a:lstStyle/>
-          <a:p>
-            <a:r>
-              <a:rPr lang="en-US" dirty="0"/>
-              <a:t>Q &amp; A</a:t>
-            </a:r>
-          </a:p>
-        </p:txBody>
-      </p:sp>
-      <p:sp>
-        <p:nvSpPr>
-          <p:cNvPr id="3" name="Text Placeholder 2">
-            <a:extLst>
-              <a:ext uri="{FF2B5EF4-FFF2-40B4-BE49-F238E27FC236}">
-                <a16:creationId xmlns:a16="http://schemas.microsoft.com/office/drawing/2014/main" id="{1D1EDDDB-BF45-4C61-823B-9FB45ED6F51F}"/>
-              </a:ext>
-            </a:extLst>
-          </p:cNvPr>
-          <p:cNvSpPr>
-            <a:spLocks noGrp="1"/>
-          </p:cNvSpPr>
-          <p:nvPr>
-            <p:ph type="body" sz="half" idx="1"/>
-          </p:nvPr>
-        </p:nvSpPr>
-        <p:spPr/>
-        <p:txBody>
-          <a:bodyPr/>
-          <a:lstStyle/>
-          <a:p>
-            <a:endParaRPr lang="en-US"/>
-          </a:p>
-        </p:txBody>
-      </p:sp>
-    </p:spTree>
-    <p:extLst>
-      <p:ext uri="{BB962C8B-B14F-4D97-AF65-F5344CB8AC3E}">
-        <p14:creationId xmlns:p14="http://schemas.microsoft.com/office/powerpoint/2010/main" val="2873828072"/>
-      </p:ext>
-    </p:extLst>
-  </p:cSld>
-  <p:clrMapOvr>
-    <a:masterClrMapping/>
-  </p:clrMapOvr>
-  <p:transition spd="med"/>
-</p:sld>
-</file>
-
-<file path=ppt/slides/slide7.xml><?xml version="1.0" encoding="utf-8"?>
-<p:sld xmlns:a="http://schemas.openxmlformats.org/drawingml/2006/main" xmlns:r="http://schemas.openxmlformats.org/officeDocument/2006/relationships" xmlns:p="http://schemas.openxmlformats.org/presentationml/2006/main">
-  <p:cSld>
-    <p:spTree>
-      <p:nvGrpSpPr>
-        <p:cNvPr id="1" name=""/>
-        <p:cNvGrpSpPr/>
-        <p:nvPr/>
-      </p:nvGrpSpPr>
-      <p:grpSpPr>
-        <a:xfrm>
-          <a:off x="0" y="0"/>
-          <a:ext cx="0" cy="0"/>
-          <a:chOff x="0" y="0"/>
-          <a:chExt cx="0" cy="0"/>
-        </a:xfrm>
-      </p:grpSpPr>
-      <p:sp>
-        <p:nvSpPr>
-          <p:cNvPr id="2" name="Title 1">
-            <a:extLst>
-              <a:ext uri="{FF2B5EF4-FFF2-40B4-BE49-F238E27FC236}">
-                <a16:creationId xmlns:a16="http://schemas.microsoft.com/office/drawing/2014/main" id="{79EE08F3-5D90-4DF6-96DA-31714BCF32BF}"/>
-              </a:ext>
-            </a:extLst>
-          </p:cNvPr>
-          <p:cNvSpPr>
-            <a:spLocks noGrp="1"/>
-          </p:cNvSpPr>
-          <p:nvPr>
-            <p:ph type="title"/>
-          </p:nvPr>
-        </p:nvSpPr>
-        <p:spPr/>
-        <p:txBody>
-          <a:bodyPr/>
-          <a:lstStyle/>
-          <a:p>
-            <a:r>
-              <a:rPr lang="en-US" dirty="0"/>
-              <a:t>Thank you</a:t>
-            </a:r>
-          </a:p>
-        </p:txBody>
-      </p:sp>
-      <p:sp>
-        <p:nvSpPr>
-          <p:cNvPr id="3" name="Text Placeholder 2">
-            <a:extLst>
-              <a:ext uri="{FF2B5EF4-FFF2-40B4-BE49-F238E27FC236}">
-                <a16:creationId xmlns:a16="http://schemas.microsoft.com/office/drawing/2014/main" id="{1D1EDDDB-BF45-4C61-823B-9FB45ED6F51F}"/>
-              </a:ext>
-            </a:extLst>
-          </p:cNvPr>
-          <p:cNvSpPr>
-            <a:spLocks noGrp="1"/>
-          </p:cNvSpPr>
-          <p:nvPr>
-            <p:ph type="body" sz="half" idx="1"/>
-          </p:nvPr>
-        </p:nvSpPr>
-        <p:spPr/>
-        <p:txBody>
-          <a:bodyPr/>
-          <a:lstStyle/>
-          <a:p>
-            <a:endParaRPr lang="en-US"/>
-          </a:p>
-        </p:txBody>
-      </p:sp>
-    </p:spTree>
-    <p:extLst>
-      <p:ext uri="{BB962C8B-B14F-4D97-AF65-F5344CB8AC3E}">
-        <p14:creationId xmlns:p14="http://schemas.microsoft.com/office/powerpoint/2010/main" val="2384320704"/>
       </p:ext>
     </p:extLst>
   </p:cSld>
